--- a/presentation/SEVEN.pptx
+++ b/presentation/SEVEN.pptx
@@ -8,6 +8,8 @@
     <p:sldId id="256" r:id="rId2"/>
     <p:sldId id="257" r:id="rId3"/>
     <p:sldId id="258" r:id="rId4"/>
+    <p:sldId id="259" r:id="rId5"/>
+    <p:sldId id="260" r:id="rId6"/>
   </p:sldIdLst>
   <p:sldSz cx="9144000" cy="6858000" type="screen4x3"/>
   <p:notesSz cx="6858000" cy="9144000"/>
@@ -5087,7 +5089,11 @@
           <a:p>
             <a:r>
               <a:rPr lang="en-US" dirty="0" smtClean="0"/>
-              <a:t>Outlier detection using a robust estimator	</a:t>
+              <a:t>Automated Monitoring of Price Feeds</a:t>
+            </a:r>
+            <a:r>
+              <a:rPr lang="en-US" dirty="0" smtClean="0"/>
+              <a:t>	</a:t>
             </a:r>
             <a:endParaRPr lang="en-US" dirty="0"/>
           </a:p>
@@ -5115,7 +5121,6 @@
               <a:rPr lang="en-US" dirty="0"/>
               <a:t>Data plausibility checks under time pressure </a:t>
             </a:r>
-            <a:endParaRPr lang="en-US" dirty="0"/>
           </a:p>
         </p:txBody>
       </p:sp>
@@ -5129,6 +5134,13 @@
   <p:clrMapOvr>
     <a:masterClrMapping/>
   </p:clrMapOvr>
+  <p:timing>
+    <p:tnLst>
+      <p:par>
+        <p:cTn xmlns:p14="http://schemas.microsoft.com/office/powerpoint/2010/main" id="1" dur="indefinite" restart="never" nodeType="tmRoot"/>
+      </p:par>
+    </p:tnLst>
+  </p:timing>
 </p:sld>
 </file>
 
@@ -5212,6 +5224,13 @@
   <p:clrMapOvr>
     <a:masterClrMapping/>
   </p:clrMapOvr>
+  <p:timing>
+    <p:tnLst>
+      <p:par>
+        <p:cTn xmlns:p14="http://schemas.microsoft.com/office/powerpoint/2010/main" id="1" dur="indefinite" restart="never" nodeType="tmRoot"/>
+      </p:par>
+    </p:tnLst>
+  </p:timing>
 </p:sld>
 </file>
 
@@ -5249,33 +5268,75 @@
           <a:p>
             <a:r>
               <a:rPr lang="en-US" dirty="0" smtClean="0"/>
-              <a:t>The Future:</a:t>
-            </a:r>
-            <a:br>
+              <a:t>What’s the Problem?</a:t>
+            </a:r>
+            <a:endParaRPr lang="en-US" dirty="0"/>
+          </a:p>
+        </p:txBody>
+      </p:sp>
+      <p:sp>
+        <p:nvSpPr>
+          <p:cNvPr id="3" name="Content Placeholder 2"/>
+          <p:cNvSpPr>
+            <a:spLocks noGrp="1"/>
+          </p:cNvSpPr>
+          <p:nvPr>
+            <p:ph idx="1"/>
+          </p:nvPr>
+        </p:nvSpPr>
+        <p:spPr/>
+        <p:txBody>
+          <a:bodyPr/>
+          <a:lstStyle/>
+          <a:p>
+            <a:r>
               <a:rPr lang="en-US" dirty="0" smtClean="0"/>
-            </a:br>
+              <a:t>Heterogeneous raw data</a:t>
+            </a:r>
+          </a:p>
+          <a:p>
             <a:r>
               <a:rPr lang="en-US" dirty="0" smtClean="0"/>
-              <a:t>Integrated Monitoring Tool</a:t>
-            </a:r>
-            <a:endParaRPr lang="en-US" dirty="0"/>
-          </a:p>
-        </p:txBody>
-      </p:sp>
-      <p:sp>
-        <p:nvSpPr>
-          <p:cNvPr id="3" name="Content Placeholder 2"/>
-          <p:cNvSpPr>
-            <a:spLocks noGrp="1"/>
-          </p:cNvSpPr>
-          <p:nvPr>
-            <p:ph idx="1"/>
-          </p:nvPr>
-        </p:nvSpPr>
-        <p:spPr/>
-        <p:txBody>
-          <a:bodyPr/>
-          <a:lstStyle/>
+              <a:t>Multiple monitoring systems</a:t>
+            </a:r>
+          </a:p>
+          <a:p>
+            <a:r>
+              <a:rPr lang="en-US" dirty="0" smtClean="0"/>
+              <a:t>Unreliable error detection (static bounds, manual </a:t>
+            </a:r>
+            <a:r>
+              <a:rPr lang="en-US" dirty="0" err="1" smtClean="0"/>
+              <a:t>config</a:t>
+            </a:r>
+            <a:r>
+              <a:rPr lang="en-US" dirty="0" smtClean="0"/>
+              <a:t>)</a:t>
+            </a:r>
+          </a:p>
+          <a:p>
+            <a:r>
+              <a:rPr lang="en-US" dirty="0" smtClean="0"/>
+              <a:t>Slow error </a:t>
+            </a:r>
+            <a:r>
+              <a:rPr lang="en-US" dirty="0"/>
+              <a:t>p</a:t>
+            </a:r>
+            <a:r>
+              <a:rPr lang="en-US" dirty="0" smtClean="0"/>
+              <a:t>rocessing</a:t>
+            </a:r>
+          </a:p>
+          <a:p>
+            <a:endParaRPr lang="en-US" dirty="0" smtClean="0"/>
+          </a:p>
+          <a:p>
+            <a:endParaRPr lang="en-US" dirty="0" smtClean="0"/>
+          </a:p>
+          <a:p>
+            <a:endParaRPr lang="en-US" dirty="0" smtClean="0"/>
+          </a:p>
           <a:p>
             <a:endParaRPr lang="en-US" dirty="0"/>
           </a:p>
@@ -5291,6 +5352,262 @@
   <p:clrMapOvr>
     <a:masterClrMapping/>
   </p:clrMapOvr>
+  <p:timing>
+    <p:tnLst>
+      <p:par>
+        <p:cTn xmlns:p14="http://schemas.microsoft.com/office/powerpoint/2010/main" id="1" dur="indefinite" restart="never" nodeType="tmRoot"/>
+      </p:par>
+    </p:tnLst>
+  </p:timing>
+</p:sld>
+</file>
+
+<file path=ppt/slides/slide4.xml><?xml version="1.0" encoding="utf-8"?>
+<p:sld xmlns:a="http://schemas.openxmlformats.org/drawingml/2006/main" xmlns:r="http://schemas.openxmlformats.org/officeDocument/2006/relationships" xmlns:p="http://schemas.openxmlformats.org/presentationml/2006/main">
+  <p:cSld>
+    <p:spTree>
+      <p:nvGrpSpPr>
+        <p:cNvPr id="1" name=""/>
+        <p:cNvGrpSpPr/>
+        <p:nvPr/>
+      </p:nvGrpSpPr>
+      <p:grpSpPr>
+        <a:xfrm>
+          <a:off x="0" y="0"/>
+          <a:ext cx="0" cy="0"/>
+          <a:chOff x="0" y="0"/>
+          <a:chExt cx="0" cy="0"/>
+        </a:xfrm>
+      </p:grpSpPr>
+      <p:sp>
+        <p:nvSpPr>
+          <p:cNvPr id="2" name="Title 1"/>
+          <p:cNvSpPr>
+            <a:spLocks noGrp="1"/>
+          </p:cNvSpPr>
+          <p:nvPr>
+            <p:ph type="title"/>
+          </p:nvPr>
+        </p:nvSpPr>
+        <p:spPr/>
+        <p:txBody>
+          <a:bodyPr/>
+          <a:lstStyle/>
+          <a:p>
+            <a:r>
+              <a:rPr lang="en-US" dirty="0" smtClean="0"/>
+              <a:t>What we offer</a:t>
+            </a:r>
+            <a:endParaRPr lang="en-US" dirty="0"/>
+          </a:p>
+        </p:txBody>
+      </p:sp>
+      <p:sp>
+        <p:nvSpPr>
+          <p:cNvPr id="3" name="Content Placeholder 2"/>
+          <p:cNvSpPr>
+            <a:spLocks noGrp="1"/>
+          </p:cNvSpPr>
+          <p:nvPr>
+            <p:ph idx="1"/>
+          </p:nvPr>
+        </p:nvSpPr>
+        <p:spPr>
+          <a:xfrm>
+            <a:off x="739775" y="2619592"/>
+            <a:ext cx="7662864" cy="3417671"/>
+          </a:xfrm>
+        </p:spPr>
+        <p:txBody>
+          <a:bodyPr>
+            <a:normAutofit/>
+          </a:bodyPr>
+          <a:lstStyle/>
+          <a:p>
+            <a:r>
+              <a:rPr lang="en-US" dirty="0" smtClean="0"/>
+              <a:t>Built-in raw </a:t>
+            </a:r>
+            <a:r>
+              <a:rPr lang="en-US" dirty="0"/>
+              <a:t>d</a:t>
+            </a:r>
+            <a:r>
+              <a:rPr lang="en-US" dirty="0" smtClean="0"/>
+              <a:t>ata </a:t>
+            </a:r>
+            <a:r>
+              <a:rPr lang="en-US" dirty="0"/>
+              <a:t>a</a:t>
+            </a:r>
+            <a:r>
+              <a:rPr lang="en-US" dirty="0" smtClean="0"/>
+              <a:t>ggregation</a:t>
+            </a:r>
+          </a:p>
+          <a:p>
+            <a:r>
+              <a:rPr lang="en-US" dirty="0" smtClean="0"/>
+              <a:t>Integrated data </a:t>
+            </a:r>
+            <a:r>
+              <a:rPr lang="en-US" dirty="0"/>
+              <a:t>m</a:t>
+            </a:r>
+            <a:r>
+              <a:rPr lang="en-US" dirty="0" smtClean="0"/>
+              <a:t>onitoring</a:t>
+            </a:r>
+          </a:p>
+          <a:p>
+            <a:r>
+              <a:rPr lang="en-US" dirty="0" smtClean="0"/>
+              <a:t>Dynamic, robust </a:t>
+            </a:r>
+            <a:r>
+              <a:rPr lang="en-US" dirty="0"/>
+              <a:t>v</a:t>
+            </a:r>
+            <a:r>
+              <a:rPr lang="en-US" dirty="0" smtClean="0"/>
+              <a:t>olatility </a:t>
+            </a:r>
+            <a:r>
+              <a:rPr lang="en-US" dirty="0"/>
+              <a:t>m</a:t>
+            </a:r>
+            <a:r>
+              <a:rPr lang="en-US" dirty="0" smtClean="0"/>
+              <a:t>easurement (fully automated)</a:t>
+            </a:r>
+          </a:p>
+          <a:p>
+            <a:r>
+              <a:rPr lang="en-US" dirty="0" smtClean="0"/>
+              <a:t>Statistical outlier </a:t>
+            </a:r>
+            <a:r>
+              <a:rPr lang="en-US" dirty="0"/>
+              <a:t>d</a:t>
+            </a:r>
+            <a:r>
+              <a:rPr lang="en-US" dirty="0" smtClean="0"/>
+              <a:t>etection for identifying corrupted streams</a:t>
+            </a:r>
+          </a:p>
+          <a:p>
+            <a:r>
+              <a:rPr lang="en-US" dirty="0" smtClean="0"/>
+              <a:t>Fast error handling</a:t>
+            </a:r>
+          </a:p>
+          <a:p>
+            <a:endParaRPr lang="en-US" dirty="0" smtClean="0"/>
+          </a:p>
+          <a:p>
+            <a:endParaRPr lang="en-US" dirty="0" smtClean="0"/>
+          </a:p>
+          <a:p>
+            <a:endParaRPr lang="en-US" dirty="0"/>
+          </a:p>
+        </p:txBody>
+      </p:sp>
+    </p:spTree>
+    <p:extLst>
+      <p:ext uri="{BB962C8B-B14F-4D97-AF65-F5344CB8AC3E}">
+        <p14:creationId xmlns:p14="http://schemas.microsoft.com/office/powerpoint/2010/main" val="182173401"/>
+      </p:ext>
+    </p:extLst>
+  </p:cSld>
+  <p:clrMapOvr>
+    <a:masterClrMapping/>
+  </p:clrMapOvr>
+  <p:timing>
+    <p:tnLst>
+      <p:par>
+        <p:cTn xmlns:p14="http://schemas.microsoft.com/office/powerpoint/2010/main" id="1" dur="indefinite" restart="never" nodeType="tmRoot"/>
+      </p:par>
+    </p:tnLst>
+  </p:timing>
+</p:sld>
+</file>
+
+<file path=ppt/slides/slide5.xml><?xml version="1.0" encoding="utf-8"?>
+<p:sld xmlns:a="http://schemas.openxmlformats.org/drawingml/2006/main" xmlns:r="http://schemas.openxmlformats.org/officeDocument/2006/relationships" xmlns:p="http://schemas.openxmlformats.org/presentationml/2006/main">
+  <p:cSld>
+    <p:spTree>
+      <p:nvGrpSpPr>
+        <p:cNvPr id="1" name=""/>
+        <p:cNvGrpSpPr/>
+        <p:nvPr/>
+      </p:nvGrpSpPr>
+      <p:grpSpPr>
+        <a:xfrm>
+          <a:off x="0" y="0"/>
+          <a:ext cx="0" cy="0"/>
+          <a:chOff x="0" y="0"/>
+          <a:chExt cx="0" cy="0"/>
+        </a:xfrm>
+      </p:grpSpPr>
+      <p:sp>
+        <p:nvSpPr>
+          <p:cNvPr id="2" name="Title 1"/>
+          <p:cNvSpPr>
+            <a:spLocks noGrp="1"/>
+          </p:cNvSpPr>
+          <p:nvPr>
+            <p:ph type="title"/>
+          </p:nvPr>
+        </p:nvSpPr>
+        <p:spPr/>
+        <p:txBody>
+          <a:bodyPr/>
+          <a:lstStyle/>
+          <a:p>
+            <a:r>
+              <a:rPr lang="en-US" dirty="0" smtClean="0"/>
+              <a:t>Look and Feel</a:t>
+            </a:r>
+            <a:endParaRPr lang="en-US" dirty="0"/>
+          </a:p>
+        </p:txBody>
+      </p:sp>
+      <p:sp>
+        <p:nvSpPr>
+          <p:cNvPr id="12" name="Content Placeholder 11"/>
+          <p:cNvSpPr>
+            <a:spLocks noGrp="1"/>
+          </p:cNvSpPr>
+          <p:nvPr>
+            <p:ph idx="1"/>
+          </p:nvPr>
+        </p:nvSpPr>
+        <p:spPr/>
+        <p:txBody>
+          <a:bodyPr/>
+          <a:lstStyle/>
+          <a:p>
+            <a:endParaRPr lang="en-US" dirty="0"/>
+          </a:p>
+        </p:txBody>
+      </p:sp>
+    </p:spTree>
+    <p:extLst>
+      <p:ext uri="{BB962C8B-B14F-4D97-AF65-F5344CB8AC3E}">
+        <p14:creationId xmlns:p14="http://schemas.microsoft.com/office/powerpoint/2010/main" val="2030024230"/>
+      </p:ext>
+    </p:extLst>
+  </p:cSld>
+  <p:clrMapOvr>
+    <a:masterClrMapping/>
+  </p:clrMapOvr>
+  <p:timing>
+    <p:tnLst>
+      <p:par>
+        <p:cTn xmlns:p14="http://schemas.microsoft.com/office/powerpoint/2010/main" id="1" dur="indefinite" restart="never" nodeType="tmRoot"/>
+      </p:par>
+    </p:tnLst>
+  </p:timing>
 </p:sld>
 </file>
 

--- a/presentation/SEVEN.pptx
+++ b/presentation/SEVEN.pptx
@@ -7,9 +7,11 @@
   <p:sldIdLst>
     <p:sldId id="256" r:id="rId2"/>
     <p:sldId id="257" r:id="rId3"/>
-    <p:sldId id="258" r:id="rId4"/>
-    <p:sldId id="259" r:id="rId5"/>
-    <p:sldId id="260" r:id="rId6"/>
+    <p:sldId id="262" r:id="rId4"/>
+    <p:sldId id="258" r:id="rId5"/>
+    <p:sldId id="259" r:id="rId6"/>
+    <p:sldId id="260" r:id="rId7"/>
+    <p:sldId id="261" r:id="rId8"/>
   </p:sldIdLst>
   <p:sldSz cx="9144000" cy="6858000" type="screen4x3"/>
   <p:notesSz cx="6858000" cy="9144000"/>
@@ -108,6 +110,22 @@
       </a:defRPr>
     </a:lvl9pPr>
   </p:defaultTextStyle>
+  <p:extLst>
+    <p:ext uri="{EFAFB233-063F-42B5-8137-9DF3F51BA10A}">
+      <p15:sldGuideLst xmlns:p15="http://schemas.microsoft.com/office/powerpoint/2012/main">
+        <p15:guide id="1" orient="horz" pos="2160">
+          <p15:clr>
+            <a:srgbClr val="A4A3A4"/>
+          </p15:clr>
+        </p15:guide>
+        <p15:guide id="2" pos="2880">
+          <p15:clr>
+            <a:srgbClr val="A4A3A4"/>
+          </p15:clr>
+        </p15:guide>
+      </p15:sldGuideLst>
+    </p:ext>
+  </p:extLst>
 </p:presentation>
 </file>
 
@@ -307,7 +325,7 @@
           <a:p>
             <a:fld id="{679BC7E7-EA8E-4DA7-915E-CC098D9BADCB}" type="datetimeFigureOut">
               <a:rPr lang="en-US" smtClean="0"/>
-              <a:t>21/03/15</a:t>
+              <a:t>3/21/2015</a:t>
             </a:fld>
             <a:endParaRPr lang="en-US"/>
           </a:p>
@@ -349,7 +367,7 @@
           <a:p>
             <a:fld id="{9F2F5E10-5301-4EE6-90D2-A6C4A3F62BED}" type="slidenum">
               <a:rPr lang="en-US" smtClean="0"/>
-              <a:t>‹#›</a:t>
+              <a:t>‹Nr.›</a:t>
             </a:fld>
             <a:endParaRPr lang="en-US"/>
           </a:p>
@@ -436,7 +454,7 @@
           <a:p>
             <a:fld id="{679BC7E7-EA8E-4DA7-915E-CC098D9BADCB}" type="datetimeFigureOut">
               <a:rPr lang="en-US" smtClean="0"/>
-              <a:t>21/03/15</a:t>
+              <a:t>3/21/2015</a:t>
             </a:fld>
             <a:endParaRPr lang="en-US"/>
           </a:p>
@@ -478,7 +496,7 @@
           <a:p>
             <a:fld id="{9F2F5E10-5301-4EE6-90D2-A6C4A3F62BED}" type="slidenum">
               <a:rPr lang="en-US" smtClean="0"/>
-              <a:t>‹#›</a:t>
+              <a:t>‹Nr.›</a:t>
             </a:fld>
             <a:endParaRPr lang="en-US"/>
           </a:p>
@@ -741,7 +759,7 @@
           <a:p>
             <a:fld id="{679BC7E7-EA8E-4DA7-915E-CC098D9BADCB}" type="datetimeFigureOut">
               <a:rPr lang="en-US" smtClean="0"/>
-              <a:t>21/03/15</a:t>
+              <a:t>3/21/2015</a:t>
             </a:fld>
             <a:endParaRPr lang="en-US"/>
           </a:p>
@@ -783,7 +801,7 @@
           <a:p>
             <a:fld id="{9F2F5E10-5301-4EE6-90D2-A6C4A3F62BED}" type="slidenum">
               <a:rPr lang="en-US" smtClean="0"/>
-              <a:t>‹#›</a:t>
+              <a:t>‹Nr.›</a:t>
             </a:fld>
             <a:endParaRPr lang="en-US"/>
           </a:p>
@@ -966,7 +984,7 @@
           <a:p>
             <a:fld id="{679BC7E7-EA8E-4DA7-915E-CC098D9BADCB}" type="datetimeFigureOut">
               <a:rPr lang="en-US" smtClean="0"/>
-              <a:t>21/03/15</a:t>
+              <a:t>3/21/2015</a:t>
             </a:fld>
             <a:endParaRPr lang="en-US"/>
           </a:p>
@@ -1008,7 +1026,7 @@
           <a:p>
             <a:fld id="{9F2F5E10-5301-4EE6-90D2-A6C4A3F62BED}" type="slidenum">
               <a:rPr lang="en-US" smtClean="0"/>
-              <a:t>‹#›</a:t>
+              <a:t>‹Nr.›</a:t>
             </a:fld>
             <a:endParaRPr lang="en-US"/>
           </a:p>
@@ -1236,7 +1254,7 @@
           <a:p>
             <a:fld id="{679BC7E7-EA8E-4DA7-915E-CC098D9BADCB}" type="datetimeFigureOut">
               <a:rPr lang="en-US" smtClean="0"/>
-              <a:t>21/03/15</a:t>
+              <a:t>3/21/2015</a:t>
             </a:fld>
             <a:endParaRPr lang="en-US"/>
           </a:p>
@@ -1278,7 +1296,7 @@
           <a:p>
             <a:fld id="{9F2F5E10-5301-4EE6-90D2-A6C4A3F62BED}" type="slidenum">
               <a:rPr lang="en-US" smtClean="0"/>
-              <a:t>‹#›</a:t>
+              <a:t>‹Nr.›</a:t>
             </a:fld>
             <a:endParaRPr lang="en-US"/>
           </a:p>
@@ -1561,7 +1579,7 @@
           <a:p>
             <a:fld id="{679BC7E7-EA8E-4DA7-915E-CC098D9BADCB}" type="datetimeFigureOut">
               <a:rPr lang="en-US" smtClean="0"/>
-              <a:t>21/03/15</a:t>
+              <a:t>3/21/2015</a:t>
             </a:fld>
             <a:endParaRPr lang="en-US"/>
           </a:p>
@@ -1603,7 +1621,7 @@
           <a:p>
             <a:fld id="{9F2F5E10-5301-4EE6-90D2-A6C4A3F62BED}" type="slidenum">
               <a:rPr lang="en-US" smtClean="0"/>
-              <a:t>‹#›</a:t>
+              <a:t>‹Nr.›</a:t>
             </a:fld>
             <a:endParaRPr lang="en-US"/>
           </a:p>
@@ -1754,7 +1772,7 @@
           <a:p>
             <a:fld id="{679BC7E7-EA8E-4DA7-915E-CC098D9BADCB}" type="datetimeFigureOut">
               <a:rPr lang="en-US" smtClean="0"/>
-              <a:t>21/03/15</a:t>
+              <a:t>3/21/2015</a:t>
             </a:fld>
             <a:endParaRPr lang="en-US"/>
           </a:p>
@@ -1796,7 +1814,7 @@
           <a:p>
             <a:fld id="{9F2F5E10-5301-4EE6-90D2-A6C4A3F62BED}" type="slidenum">
               <a:rPr lang="en-US" smtClean="0"/>
-              <a:t>‹#›</a:t>
+              <a:t>‹Nr.›</a:t>
             </a:fld>
             <a:endParaRPr lang="en-US"/>
           </a:p>
@@ -1858,7 +1876,7 @@
           <a:p>
             <a:fld id="{679BC7E7-EA8E-4DA7-915E-CC098D9BADCB}" type="datetimeFigureOut">
               <a:rPr lang="en-US" smtClean="0"/>
-              <a:t>21/03/15</a:t>
+              <a:t>3/21/2015</a:t>
             </a:fld>
             <a:endParaRPr lang="en-US"/>
           </a:p>
@@ -1900,7 +1918,7 @@
           <a:p>
             <a:fld id="{9F2F5E10-5301-4EE6-90D2-A6C4A3F62BED}" type="slidenum">
               <a:rPr lang="en-US" smtClean="0"/>
-              <a:t>‹#›</a:t>
+              <a:t>‹Nr.›</a:t>
             </a:fld>
             <a:endParaRPr lang="en-US"/>
           </a:p>
@@ -2027,7 +2045,7 @@
           <a:p>
             <a:fld id="{679BC7E7-EA8E-4DA7-915E-CC098D9BADCB}" type="datetimeFigureOut">
               <a:rPr lang="en-US" smtClean="0"/>
-              <a:t>21/03/15</a:t>
+              <a:t>3/21/2015</a:t>
             </a:fld>
             <a:endParaRPr lang="en-US"/>
           </a:p>
@@ -2069,7 +2087,7 @@
           <a:p>
             <a:fld id="{9F2F5E10-5301-4EE6-90D2-A6C4A3F62BED}" type="slidenum">
               <a:rPr lang="en-US" smtClean="0"/>
-              <a:t>‹#›</a:t>
+              <a:t>‹Nr.›</a:t>
             </a:fld>
             <a:endParaRPr lang="en-US"/>
           </a:p>
@@ -2291,7 +2309,7 @@
           <a:p>
             <a:fld id="{679BC7E7-EA8E-4DA7-915E-CC098D9BADCB}" type="datetimeFigureOut">
               <a:rPr lang="en-US" smtClean="0"/>
-              <a:t>21/03/15</a:t>
+              <a:t>3/21/2015</a:t>
             </a:fld>
             <a:endParaRPr lang="en-US"/>
           </a:p>
@@ -2346,7 +2364,7 @@
           <a:p>
             <a:fld id="{9F2F5E10-5301-4EE6-90D2-A6C4A3F62BED}" type="slidenum">
               <a:rPr lang="en-US" smtClean="0"/>
-              <a:t>‹#›</a:t>
+              <a:t>‹Nr.›</a:t>
             </a:fld>
             <a:endParaRPr lang="en-US"/>
           </a:p>
@@ -2625,7 +2643,7 @@
           <a:p>
             <a:fld id="{679BC7E7-EA8E-4DA7-915E-CC098D9BADCB}" type="datetimeFigureOut">
               <a:rPr lang="en-US" smtClean="0"/>
-              <a:t>21/03/15</a:t>
+              <a:t>3/21/2015</a:t>
             </a:fld>
             <a:endParaRPr lang="en-US"/>
           </a:p>
@@ -2667,7 +2685,7 @@
           <a:p>
             <a:fld id="{9F2F5E10-5301-4EE6-90D2-A6C4A3F62BED}" type="slidenum">
               <a:rPr lang="en-US" smtClean="0"/>
-              <a:t>‹#›</a:t>
+              <a:t>‹Nr.›</a:t>
             </a:fld>
             <a:endParaRPr lang="en-US"/>
           </a:p>
@@ -3066,7 +3084,7 @@
           <a:p>
             <a:fld id="{679BC7E7-EA8E-4DA7-915E-CC098D9BADCB}" type="datetimeFigureOut">
               <a:rPr lang="en-US" smtClean="0"/>
-              <a:t>21/03/15</a:t>
+              <a:t>3/21/2015</a:t>
             </a:fld>
             <a:endParaRPr lang="en-US"/>
           </a:p>
@@ -3108,7 +3126,7 @@
           <a:p>
             <a:fld id="{9F2F5E10-5301-4EE6-90D2-A6C4A3F62BED}" type="slidenum">
               <a:rPr lang="en-US" smtClean="0"/>
-              <a:t>‹#›</a:t>
+              <a:t>‹Nr.›</a:t>
             </a:fld>
             <a:endParaRPr lang="en-US"/>
           </a:p>
@@ -3264,7 +3282,7 @@
           <a:p>
             <a:fld id="{679BC7E7-EA8E-4DA7-915E-CC098D9BADCB}" type="datetimeFigureOut">
               <a:rPr lang="en-US" smtClean="0"/>
-              <a:t>21/03/15</a:t>
+              <a:t>3/21/2015</a:t>
             </a:fld>
             <a:endParaRPr lang="en-US"/>
           </a:p>
@@ -3306,7 +3324,7 @@
           <a:p>
             <a:fld id="{9F2F5E10-5301-4EE6-90D2-A6C4A3F62BED}" type="slidenum">
               <a:rPr lang="en-US" smtClean="0"/>
-              <a:t>‹#›</a:t>
+              <a:t>‹Nr.›</a:t>
             </a:fld>
             <a:endParaRPr lang="en-US"/>
           </a:p>
@@ -3547,7 +3565,7 @@
           <a:p>
             <a:fld id="{679BC7E7-EA8E-4DA7-915E-CC098D9BADCB}" type="datetimeFigureOut">
               <a:rPr lang="en-US" smtClean="0"/>
-              <a:t>21/03/15</a:t>
+              <a:t>3/21/2015</a:t>
             </a:fld>
             <a:endParaRPr lang="en-US"/>
           </a:p>
@@ -3589,7 +3607,7 @@
           <a:p>
             <a:fld id="{9F2F5E10-5301-4EE6-90D2-A6C4A3F62BED}" type="slidenum">
               <a:rPr lang="en-US" smtClean="0"/>
-              <a:t>‹#›</a:t>
+              <a:t>‹Nr.›</a:t>
             </a:fld>
             <a:endParaRPr lang="en-US"/>
           </a:p>
@@ -3915,7 +3933,7 @@
           <a:p>
             <a:fld id="{679BC7E7-EA8E-4DA7-915E-CC098D9BADCB}" type="datetimeFigureOut">
               <a:rPr lang="en-US" smtClean="0"/>
-              <a:t>21/03/15</a:t>
+              <a:t>3/21/2015</a:t>
             </a:fld>
             <a:endParaRPr lang="en-US"/>
           </a:p>
@@ -3957,7 +3975,7 @@
           <a:p>
             <a:fld id="{9F2F5E10-5301-4EE6-90D2-A6C4A3F62BED}" type="slidenum">
               <a:rPr lang="en-US" smtClean="0"/>
-              <a:t>‹#›</a:t>
+              <a:t>‹Nr.›</a:t>
             </a:fld>
             <a:endParaRPr lang="en-US"/>
           </a:p>
@@ -4411,7 +4429,7 @@
           <a:p>
             <a:fld id="{679BC7E7-EA8E-4DA7-915E-CC098D9BADCB}" type="datetimeFigureOut">
               <a:rPr lang="en-US" smtClean="0"/>
-              <a:t>21/03/15</a:t>
+              <a:t>3/21/2015</a:t>
             </a:fld>
             <a:endParaRPr lang="en-US"/>
           </a:p>
@@ -4453,7 +4471,7 @@
           <a:p>
             <a:fld id="{9F2F5E10-5301-4EE6-90D2-A6C4A3F62BED}" type="slidenum">
               <a:rPr lang="en-US" smtClean="0"/>
-              <a:t>‹#›</a:t>
+              <a:t>‹Nr.›</a:t>
             </a:fld>
             <a:endParaRPr lang="en-US"/>
           </a:p>
@@ -4620,7 +4638,7 @@
           <a:p>
             <a:fld id="{679BC7E7-EA8E-4DA7-915E-CC098D9BADCB}" type="datetimeFigureOut">
               <a:rPr lang="en-US" smtClean="0"/>
-              <a:t>21/03/15</a:t>
+              <a:t>3/21/2015</a:t>
             </a:fld>
             <a:endParaRPr lang="en-US"/>
           </a:p>
@@ -4700,7 +4718,7 @@
           <a:p>
             <a:fld id="{9F2F5E10-5301-4EE6-90D2-A6C4A3F62BED}" type="slidenum">
               <a:rPr lang="en-US" smtClean="0"/>
-              <a:t>‹#›</a:t>
+              <a:t>‹Nr.›</a:t>
             </a:fld>
             <a:endParaRPr lang="en-US"/>
           </a:p>
@@ -5089,11 +5107,7 @@
           <a:p>
             <a:r>
               <a:rPr lang="en-US" dirty="0" smtClean="0"/>
-              <a:t>Automated Monitoring of Price Feeds</a:t>
-            </a:r>
-            <a:r>
-              <a:rPr lang="en-US" dirty="0" smtClean="0"/>
-              <a:t>	</a:t>
+              <a:t>Automated Monitoring of Price Feeds	</a:t>
             </a:r>
             <a:endParaRPr lang="en-US" dirty="0"/>
           </a:p>
@@ -5137,7 +5151,7 @@
   <p:timing>
     <p:tnLst>
       <p:par>
-        <p:cTn xmlns:p14="http://schemas.microsoft.com/office/powerpoint/2010/main" id="1" dur="indefinite" restart="never" nodeType="tmRoot"/>
+        <p:cTn id="1" dur="indefinite" restart="never" nodeType="tmRoot"/>
       </p:par>
     </p:tnLst>
   </p:timing>
@@ -5195,7 +5209,7 @@
           </p:nvPr>
         </p:nvPicPr>
         <p:blipFill>
-          <a:blip r:embed="rId2">
+          <a:blip r:embed="rId2" cstate="email">
             <a:extLst>
               <a:ext uri="{28A0092B-C50C-407E-A947-70E740481C1C}">
                 <a14:useLocalDpi xmlns:a14="http://schemas.microsoft.com/office/drawing/2010/main" val="0"/>
@@ -5227,7 +5241,7 @@
   <p:timing>
     <p:tnLst>
       <p:par>
-        <p:cTn xmlns:p14="http://schemas.microsoft.com/office/powerpoint/2010/main" id="1" dur="indefinite" restart="never" nodeType="tmRoot"/>
+        <p:cTn id="1" dur="indefinite" restart="never" nodeType="tmRoot"/>
       </p:par>
     </p:tnLst>
   </p:timing>
@@ -5253,7 +5267,7 @@
       </p:grpSpPr>
       <p:sp>
         <p:nvSpPr>
-          <p:cNvPr id="2" name="Title 1"/>
+          <p:cNvPr id="2" name="Titel 1"/>
           <p:cNvSpPr>
             <a:spLocks noGrp="1"/>
           </p:cNvSpPr>
@@ -5267,16 +5281,32 @@
           <a:lstStyle/>
           <a:p>
             <a:r>
-              <a:rPr lang="en-US" dirty="0" smtClean="0"/>
-              <a:t>What’s the Problem?</a:t>
-            </a:r>
-            <a:endParaRPr lang="en-US" dirty="0"/>
-          </a:p>
-        </p:txBody>
-      </p:sp>
-      <p:sp>
-        <p:nvSpPr>
-          <p:cNvPr id="3" name="Content Placeholder 2"/>
+              <a:rPr lang="de-CH" dirty="0" err="1" smtClean="0"/>
+              <a:t>What</a:t>
+            </a:r>
+            <a:r>
+              <a:rPr lang="de-CH" dirty="0" smtClean="0"/>
+              <a:t> </a:t>
+            </a:r>
+            <a:r>
+              <a:rPr lang="de-CH" dirty="0" err="1" smtClean="0"/>
+              <a:t>we</a:t>
+            </a:r>
+            <a:r>
+              <a:rPr lang="de-CH" dirty="0" smtClean="0"/>
+              <a:t> </a:t>
+            </a:r>
+            <a:r>
+              <a:rPr lang="de-CH" dirty="0" err="1" smtClean="0"/>
+              <a:t>did</a:t>
+            </a:r>
+            <a:endParaRPr lang="de-CH" dirty="0"/>
+          </a:p>
+        </p:txBody>
+      </p:sp>
+      <p:sp>
+        <p:nvSpPr>
+          <p:cNvPr id="3" name="Inhaltsplatzhalter 2"/>
           <p:cNvSpPr>
             <a:spLocks noGrp="1"/>
           </p:cNvSpPr>
@@ -5290,75 +5320,293 @@
           <a:lstStyle/>
           <a:p>
             <a:r>
-              <a:rPr lang="en-US" dirty="0" smtClean="0"/>
-              <a:t>Heterogeneous raw data</a:t>
-            </a:r>
-          </a:p>
-          <a:p>
-            <a:r>
-              <a:rPr lang="en-US" dirty="0" smtClean="0"/>
-              <a:t>Multiple monitoring systems</a:t>
-            </a:r>
-          </a:p>
-          <a:p>
-            <a:r>
-              <a:rPr lang="en-US" dirty="0" smtClean="0"/>
-              <a:t>Unreliable error detection (static bounds, manual </a:t>
-            </a:r>
-            <a:r>
-              <a:rPr lang="en-US" dirty="0" err="1" smtClean="0"/>
-              <a:t>config</a:t>
-            </a:r>
-            <a:r>
-              <a:rPr lang="en-US" dirty="0" smtClean="0"/>
-              <a:t>)</a:t>
-            </a:r>
-          </a:p>
-          <a:p>
-            <a:r>
-              <a:rPr lang="en-US" dirty="0" smtClean="0"/>
-              <a:t>Slow error </a:t>
-            </a:r>
-            <a:r>
-              <a:rPr lang="en-US" dirty="0"/>
-              <a:t>p</a:t>
-            </a:r>
-            <a:r>
-              <a:rPr lang="en-US" dirty="0" smtClean="0"/>
-              <a:t>rocessing</a:t>
-            </a:r>
-          </a:p>
-          <a:p>
-            <a:endParaRPr lang="en-US" dirty="0" smtClean="0"/>
-          </a:p>
-          <a:p>
-            <a:endParaRPr lang="en-US" dirty="0" smtClean="0"/>
-          </a:p>
-          <a:p>
-            <a:endParaRPr lang="en-US" dirty="0" smtClean="0"/>
-          </a:p>
-          <a:p>
-            <a:endParaRPr lang="en-US" dirty="0"/>
+              <a:rPr lang="de-CH" dirty="0" smtClean="0"/>
+              <a:t>Big-</a:t>
+            </a:r>
+            <a:r>
+              <a:rPr lang="de-CH" dirty="0" err="1" smtClean="0"/>
+              <a:t>data</a:t>
+            </a:r>
+            <a:r>
+              <a:rPr lang="de-CH" dirty="0" smtClean="0"/>
+              <a:t> </a:t>
+            </a:r>
+            <a:r>
+              <a:rPr lang="de-CH" dirty="0" smtClean="0">
+                <a:sym typeface="Wingdings" panose="05000000000000000000" pitchFamily="2" charset="2"/>
+              </a:rPr>
+              <a:t> not </a:t>
+            </a:r>
+            <a:r>
+              <a:rPr lang="de-CH" dirty="0" err="1" smtClean="0">
+                <a:sym typeface="Wingdings" panose="05000000000000000000" pitchFamily="2" charset="2"/>
+              </a:rPr>
+              <a:t>enough</a:t>
+            </a:r>
+            <a:r>
+              <a:rPr lang="de-CH" dirty="0" smtClean="0">
+                <a:sym typeface="Wingdings" panose="05000000000000000000" pitchFamily="2" charset="2"/>
+              </a:rPr>
+              <a:t> </a:t>
+            </a:r>
+            <a:r>
+              <a:rPr lang="de-CH" dirty="0" err="1" smtClean="0">
+                <a:sym typeface="Wingdings" panose="05000000000000000000" pitchFamily="2" charset="2"/>
+              </a:rPr>
+              <a:t>data</a:t>
+            </a:r>
+            <a:r>
+              <a:rPr lang="de-CH" dirty="0" smtClean="0">
+                <a:sym typeface="Wingdings" panose="05000000000000000000" pitchFamily="2" charset="2"/>
+              </a:rPr>
+              <a:t> </a:t>
+            </a:r>
+            <a:r>
+              <a:rPr lang="de-CH" dirty="0" err="1" smtClean="0">
+                <a:sym typeface="Wingdings" panose="05000000000000000000" pitchFamily="2" charset="2"/>
+              </a:rPr>
+              <a:t>for</a:t>
+            </a:r>
+            <a:r>
+              <a:rPr lang="de-CH" dirty="0" smtClean="0">
+                <a:sym typeface="Wingdings" panose="05000000000000000000" pitchFamily="2" charset="2"/>
+              </a:rPr>
+              <a:t> </a:t>
+            </a:r>
+            <a:r>
+              <a:rPr lang="de-CH" dirty="0" err="1" smtClean="0">
+                <a:sym typeface="Wingdings" panose="05000000000000000000" pitchFamily="2" charset="2"/>
+              </a:rPr>
+              <a:t>regression</a:t>
+            </a:r>
+            <a:endParaRPr lang="de-CH" dirty="0" smtClean="0"/>
+          </a:p>
+          <a:p>
+            <a:r>
+              <a:rPr lang="de-CH" dirty="0" smtClean="0"/>
+              <a:t>Switch </a:t>
+            </a:r>
+            <a:r>
+              <a:rPr lang="de-CH" dirty="0" err="1" smtClean="0"/>
+              <a:t>to</a:t>
+            </a:r>
+            <a:r>
+              <a:rPr lang="de-CH" dirty="0" smtClean="0"/>
+              <a:t> </a:t>
+            </a:r>
+            <a:r>
+              <a:rPr lang="de-CH" dirty="0" err="1" smtClean="0"/>
+              <a:t>workshop</a:t>
+            </a:r>
+            <a:r>
+              <a:rPr lang="de-CH" dirty="0" smtClean="0"/>
+              <a:t> 3: Realtime </a:t>
+            </a:r>
+            <a:r>
+              <a:rPr lang="de-CH" dirty="0" err="1" smtClean="0"/>
+              <a:t>data</a:t>
+            </a:r>
+            <a:r>
+              <a:rPr lang="de-CH" dirty="0" smtClean="0"/>
+              <a:t> </a:t>
+            </a:r>
+            <a:r>
+              <a:rPr lang="de-CH" dirty="0" err="1" smtClean="0"/>
+              <a:t>checks</a:t>
+            </a:r>
+            <a:r>
+              <a:rPr lang="de-CH" dirty="0" smtClean="0"/>
+              <a:t> </a:t>
+            </a:r>
+            <a:r>
+              <a:rPr lang="de-CH" dirty="0" smtClean="0">
+                <a:sym typeface="Wingdings" panose="05000000000000000000" pitchFamily="2" charset="2"/>
+              </a:rPr>
+              <a:t> </a:t>
+            </a:r>
+            <a:r>
+              <a:rPr lang="de-CH" dirty="0" err="1" smtClean="0">
+                <a:sym typeface="Wingdings" panose="05000000000000000000" pitchFamily="2" charset="2"/>
+              </a:rPr>
+              <a:t>success</a:t>
+            </a:r>
+            <a:endParaRPr lang="de-CH" dirty="0">
+              <a:sym typeface="Wingdings" panose="05000000000000000000" pitchFamily="2" charset="2"/>
+            </a:endParaRPr>
+          </a:p>
+          <a:p>
+            <a:pPr lvl="1"/>
+            <a:r>
+              <a:rPr lang="de-CH" dirty="0" err="1" smtClean="0">
+                <a:sym typeface="Wingdings" panose="05000000000000000000" pitchFamily="2" charset="2"/>
+              </a:rPr>
+              <a:t>Sliding</a:t>
+            </a:r>
+            <a:r>
+              <a:rPr lang="de-CH" dirty="0" smtClean="0">
+                <a:sym typeface="Wingdings" panose="05000000000000000000" pitchFamily="2" charset="2"/>
+              </a:rPr>
+              <a:t> </a:t>
+            </a:r>
+            <a:r>
+              <a:rPr lang="de-CH" dirty="0" err="1" smtClean="0">
+                <a:sym typeface="Wingdings" panose="05000000000000000000" pitchFamily="2" charset="2"/>
+              </a:rPr>
+              <a:t>window</a:t>
+            </a:r>
+            <a:r>
+              <a:rPr lang="de-CH" dirty="0" smtClean="0">
+                <a:sym typeface="Wingdings" panose="05000000000000000000" pitchFamily="2" charset="2"/>
+              </a:rPr>
+              <a:t> robust </a:t>
+            </a:r>
+            <a:r>
+              <a:rPr lang="de-CH" dirty="0" err="1" smtClean="0">
+                <a:sym typeface="Wingdings" panose="05000000000000000000" pitchFamily="2" charset="2"/>
+              </a:rPr>
+              <a:t>estimator</a:t>
+            </a:r>
+            <a:endParaRPr lang="de-CH" dirty="0" smtClean="0">
+              <a:sym typeface="Wingdings" panose="05000000000000000000" pitchFamily="2" charset="2"/>
+            </a:endParaRPr>
+          </a:p>
+          <a:p>
+            <a:r>
+              <a:rPr lang="de-CH" dirty="0" err="1" smtClean="0">
+                <a:sym typeface="Wingdings" panose="05000000000000000000" pitchFamily="2" charset="2"/>
+              </a:rPr>
+              <a:t>No</a:t>
+            </a:r>
+            <a:r>
+              <a:rPr lang="de-CH" dirty="0" smtClean="0">
+                <a:sym typeface="Wingdings" panose="05000000000000000000" pitchFamily="2" charset="2"/>
+              </a:rPr>
+              <a:t> </a:t>
+            </a:r>
+            <a:r>
+              <a:rPr lang="de-CH" dirty="0" err="1" smtClean="0">
+                <a:sym typeface="Wingdings" panose="05000000000000000000" pitchFamily="2" charset="2"/>
+              </a:rPr>
+              <a:t>satisfactory</a:t>
+            </a:r>
+            <a:r>
+              <a:rPr lang="de-CH" dirty="0" smtClean="0">
+                <a:sym typeface="Wingdings" panose="05000000000000000000" pitchFamily="2" charset="2"/>
+              </a:rPr>
+              <a:t> </a:t>
+            </a:r>
+            <a:r>
+              <a:rPr lang="de-CH" dirty="0" err="1" smtClean="0">
+                <a:sym typeface="Wingdings" panose="05000000000000000000" pitchFamily="2" charset="2"/>
+              </a:rPr>
+              <a:t>plotting</a:t>
+            </a:r>
+            <a:r>
+              <a:rPr lang="de-CH" dirty="0" smtClean="0">
+                <a:sym typeface="Wingdings" panose="05000000000000000000" pitchFamily="2" charset="2"/>
+              </a:rPr>
+              <a:t> </a:t>
+            </a:r>
+            <a:r>
+              <a:rPr lang="de-CH" dirty="0" err="1" smtClean="0">
+                <a:sym typeface="Wingdings" panose="05000000000000000000" pitchFamily="2" charset="2"/>
+              </a:rPr>
+              <a:t>libary</a:t>
+            </a:r>
+            <a:r>
+              <a:rPr lang="de-CH" dirty="0" smtClean="0">
+                <a:sym typeface="Wingdings" panose="05000000000000000000" pitchFamily="2" charset="2"/>
+              </a:rPr>
+              <a:t>  </a:t>
+            </a:r>
+            <a:r>
+              <a:rPr lang="de-CH" dirty="0" err="1" smtClean="0">
+                <a:sym typeface="Wingdings" panose="05000000000000000000" pitchFamily="2" charset="2"/>
+              </a:rPr>
+              <a:t>own</a:t>
+            </a:r>
+            <a:r>
+              <a:rPr lang="de-CH" dirty="0" smtClean="0">
+                <a:sym typeface="Wingdings" panose="05000000000000000000" pitchFamily="2" charset="2"/>
+              </a:rPr>
+              <a:t> </a:t>
+            </a:r>
+            <a:r>
+              <a:rPr lang="de-CH" dirty="0" err="1" smtClean="0">
+                <a:sym typeface="Wingdings" panose="05000000000000000000" pitchFamily="2" charset="2"/>
+              </a:rPr>
+              <a:t>solution</a:t>
+            </a:r>
+            <a:endParaRPr lang="de-CH" dirty="0">
+              <a:sym typeface="Wingdings" panose="05000000000000000000" pitchFamily="2" charset="2"/>
+            </a:endParaRPr>
+          </a:p>
+          <a:p>
+            <a:r>
+              <a:rPr lang="de-CH" dirty="0" smtClean="0">
+                <a:sym typeface="Wingdings" panose="05000000000000000000" pitchFamily="2" charset="2"/>
+              </a:rPr>
+              <a:t>Website </a:t>
+            </a:r>
+            <a:r>
+              <a:rPr lang="de-CH" dirty="0" err="1" smtClean="0">
+                <a:sym typeface="Wingdings" panose="05000000000000000000" pitchFamily="2" charset="2"/>
+              </a:rPr>
+              <a:t>using</a:t>
+            </a:r>
+            <a:r>
+              <a:rPr lang="de-CH" dirty="0" smtClean="0">
+                <a:sym typeface="Wingdings" panose="05000000000000000000" pitchFamily="2" charset="2"/>
+              </a:rPr>
+              <a:t> </a:t>
+            </a:r>
+            <a:r>
+              <a:rPr lang="de-CH" dirty="0" err="1" smtClean="0">
+                <a:sym typeface="Wingdings" panose="05000000000000000000" pitchFamily="2" charset="2"/>
+              </a:rPr>
+              <a:t>bootstrap</a:t>
+            </a:r>
+            <a:r>
+              <a:rPr lang="de-CH" dirty="0">
+                <a:sym typeface="Wingdings" panose="05000000000000000000" pitchFamily="2" charset="2"/>
+              </a:rPr>
+              <a:t> </a:t>
+            </a:r>
+            <a:r>
+              <a:rPr lang="de-CH" dirty="0" err="1" smtClean="0">
+                <a:sym typeface="Wingdings" panose="05000000000000000000" pitchFamily="2" charset="2"/>
+              </a:rPr>
+              <a:t>and</a:t>
+            </a:r>
+            <a:r>
+              <a:rPr lang="de-CH" dirty="0" smtClean="0">
+                <a:sym typeface="Wingdings" panose="05000000000000000000" pitchFamily="2" charset="2"/>
+              </a:rPr>
+              <a:t> HTML 5  mobile </a:t>
+            </a:r>
+            <a:r>
+              <a:rPr lang="de-CH" dirty="0" err="1" smtClean="0">
+                <a:sym typeface="Wingdings" panose="05000000000000000000" pitchFamily="2" charset="2"/>
+              </a:rPr>
+              <a:t>compatible</a:t>
+            </a:r>
+            <a:endParaRPr lang="de-CH" dirty="0" smtClean="0"/>
+          </a:p>
+          <a:p>
+            <a:endParaRPr lang="de-CH" dirty="0"/>
           </a:p>
         </p:txBody>
       </p:sp>
     </p:spTree>
     <p:extLst>
       <p:ext uri="{BB962C8B-B14F-4D97-AF65-F5344CB8AC3E}">
-        <p14:creationId xmlns:p14="http://schemas.microsoft.com/office/powerpoint/2010/main" val="2519994279"/>
+        <p14:creationId xmlns:p14="http://schemas.microsoft.com/office/powerpoint/2010/main" val="3631694715"/>
       </p:ext>
     </p:extLst>
   </p:cSld>
   <p:clrMapOvr>
     <a:masterClrMapping/>
   </p:clrMapOvr>
-  <p:timing>
-    <p:tnLst>
-      <p:par>
-        <p:cTn xmlns:p14="http://schemas.microsoft.com/office/powerpoint/2010/main" id="1" dur="indefinite" restart="never" nodeType="tmRoot"/>
-      </p:par>
-    </p:tnLst>
-  </p:timing>
 </p:sld>
 </file>
 
@@ -5396,7 +5644,7 @@
           <a:p>
             <a:r>
               <a:rPr lang="en-US" dirty="0" smtClean="0"/>
-              <a:t>What we offer</a:t>
+              <a:t>What’s the Problem?</a:t>
             </a:r>
             <a:endParaRPr lang="en-US" dirty="0"/>
           </a:p>
@@ -5412,94 +5660,52 @@
             <p:ph idx="1"/>
           </p:nvPr>
         </p:nvSpPr>
-        <p:spPr>
-          <a:xfrm>
-            <a:off x="739775" y="2619592"/>
-            <a:ext cx="7662864" cy="3417671"/>
-          </a:xfrm>
-        </p:spPr>
-        <p:txBody>
-          <a:bodyPr>
-            <a:normAutofit/>
-          </a:bodyPr>
+        <p:spPr/>
+        <p:txBody>
+          <a:bodyPr/>
           <a:lstStyle/>
           <a:p>
             <a:r>
               <a:rPr lang="en-US" dirty="0" smtClean="0"/>
-              <a:t>Built-in raw </a:t>
+              <a:t>Heterogeneous raw data</a:t>
+            </a:r>
+          </a:p>
+          <a:p>
+            <a:r>
+              <a:rPr lang="en-US" dirty="0" smtClean="0"/>
+              <a:t>Multiple monitoring systems</a:t>
+            </a:r>
+          </a:p>
+          <a:p>
+            <a:r>
+              <a:rPr lang="en-US" dirty="0" smtClean="0"/>
+              <a:t>Unreliable error detection (static bounds, manual </a:t>
+            </a:r>
+            <a:r>
+              <a:rPr lang="en-US" dirty="0" err="1" smtClean="0"/>
+              <a:t>config</a:t>
+            </a:r>
+            <a:r>
+              <a:rPr lang="en-US" dirty="0" smtClean="0"/>
+              <a:t>)</a:t>
+            </a:r>
+          </a:p>
+          <a:p>
+            <a:r>
+              <a:rPr lang="en-US" dirty="0" smtClean="0"/>
+              <a:t>Slow error </a:t>
             </a:r>
             <a:r>
               <a:rPr lang="en-US" dirty="0"/>
-              <a:t>d</a:t>
+              <a:t>p</a:t>
             </a:r>
             <a:r>
               <a:rPr lang="en-US" dirty="0" smtClean="0"/>
-              <a:t>ata </a:t>
-            </a:r>
-            <a:r>
-              <a:rPr lang="en-US" dirty="0"/>
-              <a:t>a</a:t>
-            </a:r>
-            <a:r>
-              <a:rPr lang="en-US" dirty="0" smtClean="0"/>
-              <a:t>ggregation</a:t>
-            </a:r>
-          </a:p>
-          <a:p>
-            <a:r>
-              <a:rPr lang="en-US" dirty="0" smtClean="0"/>
-              <a:t>Integrated data </a:t>
-            </a:r>
-            <a:r>
-              <a:rPr lang="en-US" dirty="0"/>
-              <a:t>m</a:t>
-            </a:r>
-            <a:r>
-              <a:rPr lang="en-US" dirty="0" smtClean="0"/>
-              <a:t>onitoring</a:t>
-            </a:r>
-          </a:p>
-          <a:p>
-            <a:r>
-              <a:rPr lang="en-US" dirty="0" smtClean="0"/>
-              <a:t>Dynamic, robust </a:t>
-            </a:r>
-            <a:r>
-              <a:rPr lang="en-US" dirty="0"/>
-              <a:t>v</a:t>
-            </a:r>
-            <a:r>
-              <a:rPr lang="en-US" dirty="0" smtClean="0"/>
-              <a:t>olatility </a:t>
-            </a:r>
-            <a:r>
-              <a:rPr lang="en-US" dirty="0"/>
-              <a:t>m</a:t>
-            </a:r>
-            <a:r>
-              <a:rPr lang="en-US" dirty="0" smtClean="0"/>
-              <a:t>easurement (fully automated)</a:t>
-            </a:r>
-          </a:p>
-          <a:p>
-            <a:r>
-              <a:rPr lang="en-US" dirty="0" smtClean="0"/>
-              <a:t>Statistical outlier </a:t>
-            </a:r>
-            <a:r>
-              <a:rPr lang="en-US" dirty="0"/>
-              <a:t>d</a:t>
-            </a:r>
-            <a:r>
-              <a:rPr lang="en-US" dirty="0" smtClean="0"/>
-              <a:t>etection for identifying corrupted streams</a:t>
-            </a:r>
-          </a:p>
-          <a:p>
-            <a:r>
-              <a:rPr lang="en-US" dirty="0" smtClean="0"/>
-              <a:t>Fast error handling</a:t>
-            </a:r>
+              <a:t>rocessing</a:t>
+            </a:r>
+          </a:p>
+          <a:p>
+            <a:endParaRPr lang="en-US" dirty="0" smtClean="0"/>
           </a:p>
           <a:p>
             <a:endParaRPr lang="en-US" dirty="0" smtClean="0"/>
@@ -5515,7 +5721,7 @@
     </p:spTree>
     <p:extLst>
       <p:ext uri="{BB962C8B-B14F-4D97-AF65-F5344CB8AC3E}">
-        <p14:creationId xmlns:p14="http://schemas.microsoft.com/office/powerpoint/2010/main" val="182173401"/>
+        <p14:creationId xmlns:p14="http://schemas.microsoft.com/office/powerpoint/2010/main" val="2519994279"/>
       </p:ext>
     </p:extLst>
   </p:cSld>
@@ -5525,7 +5731,7 @@
   <p:timing>
     <p:tnLst>
       <p:par>
-        <p:cTn xmlns:p14="http://schemas.microsoft.com/office/powerpoint/2010/main" id="1" dur="indefinite" restart="never" nodeType="tmRoot"/>
+        <p:cTn id="1" dur="indefinite" restart="never" nodeType="tmRoot"/>
       </p:par>
     </p:tnLst>
   </p:timing>
@@ -5566,31 +5772,211 @@
           <a:p>
             <a:r>
               <a:rPr lang="en-US" dirty="0" smtClean="0"/>
+              <a:t>What we offer</a:t>
+            </a:r>
+            <a:endParaRPr lang="en-US" dirty="0"/>
+          </a:p>
+        </p:txBody>
+      </p:sp>
+      <p:sp>
+        <p:nvSpPr>
+          <p:cNvPr id="3" name="Content Placeholder 2"/>
+          <p:cNvSpPr>
+            <a:spLocks noGrp="1"/>
+          </p:cNvSpPr>
+          <p:nvPr>
+            <p:ph idx="1"/>
+          </p:nvPr>
+        </p:nvSpPr>
+        <p:spPr>
+          <a:xfrm>
+            <a:off x="739775" y="2619592"/>
+            <a:ext cx="7662864" cy="3417671"/>
+          </a:xfrm>
+        </p:spPr>
+        <p:txBody>
+          <a:bodyPr>
+            <a:normAutofit/>
+          </a:bodyPr>
+          <a:lstStyle/>
+          <a:p>
+            <a:r>
+              <a:rPr lang="en-US" dirty="0" smtClean="0"/>
+              <a:t>Built-in raw </a:t>
+            </a:r>
+            <a:r>
+              <a:rPr lang="en-US" dirty="0"/>
+              <a:t>d</a:t>
+            </a:r>
+            <a:r>
+              <a:rPr lang="en-US" dirty="0" smtClean="0"/>
+              <a:t>ata </a:t>
+            </a:r>
+            <a:r>
+              <a:rPr lang="en-US" dirty="0"/>
+              <a:t>a</a:t>
+            </a:r>
+            <a:r>
+              <a:rPr lang="en-US" dirty="0" smtClean="0"/>
+              <a:t>ggregation</a:t>
+            </a:r>
+          </a:p>
+          <a:p>
+            <a:r>
+              <a:rPr lang="en-US" dirty="0" smtClean="0"/>
+              <a:t>Integrated data </a:t>
+            </a:r>
+            <a:r>
+              <a:rPr lang="en-US" dirty="0"/>
+              <a:t>m</a:t>
+            </a:r>
+            <a:r>
+              <a:rPr lang="en-US" dirty="0" smtClean="0"/>
+              <a:t>onitoring</a:t>
+            </a:r>
+          </a:p>
+          <a:p>
+            <a:r>
+              <a:rPr lang="en-US" dirty="0" smtClean="0"/>
+              <a:t>Dynamic, robust </a:t>
+            </a:r>
+            <a:r>
+              <a:rPr lang="en-US" dirty="0"/>
+              <a:t>v</a:t>
+            </a:r>
+            <a:r>
+              <a:rPr lang="en-US" dirty="0" smtClean="0"/>
+              <a:t>olatility </a:t>
+            </a:r>
+            <a:r>
+              <a:rPr lang="en-US" dirty="0"/>
+              <a:t>m</a:t>
+            </a:r>
+            <a:r>
+              <a:rPr lang="en-US" dirty="0" smtClean="0"/>
+              <a:t>easurement (fully automated)</a:t>
+            </a:r>
+          </a:p>
+          <a:p>
+            <a:r>
+              <a:rPr lang="en-US" dirty="0" smtClean="0"/>
+              <a:t>Statistical outlier </a:t>
+            </a:r>
+            <a:r>
+              <a:rPr lang="en-US" dirty="0"/>
+              <a:t>d</a:t>
+            </a:r>
+            <a:r>
+              <a:rPr lang="en-US" dirty="0" smtClean="0"/>
+              <a:t>etection for identifying corrupted streams</a:t>
+            </a:r>
+          </a:p>
+          <a:p>
+            <a:r>
+              <a:rPr lang="en-US" dirty="0" smtClean="0"/>
+              <a:t>Fast error handling</a:t>
+            </a:r>
+          </a:p>
+          <a:p>
+            <a:endParaRPr lang="en-US" dirty="0" smtClean="0"/>
+          </a:p>
+          <a:p>
+            <a:endParaRPr lang="en-US" dirty="0" smtClean="0"/>
+          </a:p>
+          <a:p>
+            <a:endParaRPr lang="en-US" dirty="0"/>
+          </a:p>
+        </p:txBody>
+      </p:sp>
+    </p:spTree>
+    <p:extLst>
+      <p:ext uri="{BB962C8B-B14F-4D97-AF65-F5344CB8AC3E}">
+        <p14:creationId xmlns:p14="http://schemas.microsoft.com/office/powerpoint/2010/main" val="182173401"/>
+      </p:ext>
+    </p:extLst>
+  </p:cSld>
+  <p:clrMapOvr>
+    <a:masterClrMapping/>
+  </p:clrMapOvr>
+  <p:timing>
+    <p:tnLst>
+      <p:par>
+        <p:cTn id="1" dur="indefinite" restart="never" nodeType="tmRoot"/>
+      </p:par>
+    </p:tnLst>
+  </p:timing>
+</p:sld>
+</file>
+
+<file path=ppt/slides/slide6.xml><?xml version="1.0" encoding="utf-8"?>
+<p:sld xmlns:a="http://schemas.openxmlformats.org/drawingml/2006/main" xmlns:r="http://schemas.openxmlformats.org/officeDocument/2006/relationships" xmlns:p="http://schemas.openxmlformats.org/presentationml/2006/main">
+  <p:cSld>
+    <p:spTree>
+      <p:nvGrpSpPr>
+        <p:cNvPr id="1" name=""/>
+        <p:cNvGrpSpPr/>
+        <p:nvPr/>
+      </p:nvGrpSpPr>
+      <p:grpSpPr>
+        <a:xfrm>
+          <a:off x="0" y="0"/>
+          <a:ext cx="0" cy="0"/>
+          <a:chOff x="0" y="0"/>
+          <a:chExt cx="0" cy="0"/>
+        </a:xfrm>
+      </p:grpSpPr>
+      <p:sp>
+        <p:nvSpPr>
+          <p:cNvPr id="2" name="Title 1"/>
+          <p:cNvSpPr>
+            <a:spLocks noGrp="1"/>
+          </p:cNvSpPr>
+          <p:nvPr>
+            <p:ph type="title"/>
+          </p:nvPr>
+        </p:nvSpPr>
+        <p:spPr/>
+        <p:txBody>
+          <a:bodyPr/>
+          <a:lstStyle/>
+          <a:p>
+            <a:r>
+              <a:rPr lang="en-US" dirty="0" smtClean="0"/>
               <a:t>Look and Feel</a:t>
             </a:r>
             <a:endParaRPr lang="en-US" dirty="0"/>
           </a:p>
         </p:txBody>
       </p:sp>
-      <p:sp>
-        <p:nvSpPr>
-          <p:cNvPr id="12" name="Content Placeholder 11"/>
-          <p:cNvSpPr>
-            <a:spLocks noGrp="1"/>
-          </p:cNvSpPr>
+      <p:pic>
+        <p:nvPicPr>
+          <p:cNvPr id="3" name="Inhaltsplatzhalter 2"/>
+          <p:cNvPicPr>
+            <a:picLocks noGrp="1" noChangeAspect="1"/>
+          </p:cNvPicPr>
           <p:nvPr>
             <p:ph idx="1"/>
           </p:nvPr>
-        </p:nvSpPr>
-        <p:spPr/>
-        <p:txBody>
-          <a:bodyPr/>
-          <a:lstStyle/>
-          <a:p>
-            <a:endParaRPr lang="en-US" dirty="0"/>
-          </a:p>
-        </p:txBody>
-      </p:sp>
+        </p:nvPicPr>
+        <p:blipFill>
+          <a:blip r:embed="rId2" cstate="email">
+            <a:extLst>
+              <a:ext uri="{28A0092B-C50C-407E-A947-70E740481C1C}">
+                <a14:useLocalDpi xmlns:a14="http://schemas.microsoft.com/office/drawing/2010/main" val="0"/>
+              </a:ext>
+            </a:extLst>
+          </a:blip>
+          <a:stretch>
+            <a:fillRect/>
+          </a:stretch>
+        </p:blipFill>
+        <p:spPr>
+          <a:xfrm>
+            <a:off x="457200" y="2581507"/>
+            <a:ext cx="8231188" cy="4108462"/>
+          </a:xfrm>
+        </p:spPr>
+      </p:pic>
     </p:spTree>
     <p:extLst>
       <p:ext uri="{BB962C8B-B14F-4D97-AF65-F5344CB8AC3E}">
@@ -5604,7 +5990,104 @@
   <p:timing>
     <p:tnLst>
       <p:par>
-        <p:cTn xmlns:p14="http://schemas.microsoft.com/office/powerpoint/2010/main" id="1" dur="indefinite" restart="never" nodeType="tmRoot"/>
+        <p:cTn id="1" dur="indefinite" restart="never" nodeType="tmRoot"/>
+      </p:par>
+    </p:tnLst>
+  </p:timing>
+</p:sld>
+</file>
+
+<file path=ppt/slides/slide7.xml><?xml version="1.0" encoding="utf-8"?>
+<p:sld xmlns:a="http://schemas.openxmlformats.org/drawingml/2006/main" xmlns:r="http://schemas.openxmlformats.org/officeDocument/2006/relationships" xmlns:p="http://schemas.openxmlformats.org/presentationml/2006/main">
+  <p:cSld>
+    <p:spTree>
+      <p:nvGrpSpPr>
+        <p:cNvPr id="1" name=""/>
+        <p:cNvGrpSpPr/>
+        <p:nvPr/>
+      </p:nvGrpSpPr>
+      <p:grpSpPr>
+        <a:xfrm>
+          <a:off x="0" y="0"/>
+          <a:ext cx="0" cy="0"/>
+          <a:chOff x="0" y="0"/>
+          <a:chExt cx="0" cy="0"/>
+        </a:xfrm>
+      </p:grpSpPr>
+      <p:sp>
+        <p:nvSpPr>
+          <p:cNvPr id="2" name="Titel 1"/>
+          <p:cNvSpPr>
+            <a:spLocks noGrp="1"/>
+          </p:cNvSpPr>
+          <p:nvPr>
+            <p:ph type="title"/>
+          </p:nvPr>
+        </p:nvSpPr>
+        <p:spPr/>
+        <p:txBody>
+          <a:bodyPr/>
+          <a:lstStyle/>
+          <a:p>
+            <a:r>
+              <a:rPr lang="de-CH" dirty="0" err="1" smtClean="0"/>
+              <a:t>Outlier</a:t>
+            </a:r>
+            <a:r>
+              <a:rPr lang="de-CH" dirty="0" smtClean="0"/>
+              <a:t> </a:t>
+            </a:r>
+            <a:r>
+              <a:rPr lang="de-CH" dirty="0" err="1" smtClean="0"/>
+              <a:t>detected</a:t>
+            </a:r>
+            <a:endParaRPr lang="de-CH" dirty="0"/>
+          </a:p>
+        </p:txBody>
+      </p:sp>
+      <p:pic>
+        <p:nvPicPr>
+          <p:cNvPr id="5" name="Inhaltsplatzhalter 4"/>
+          <p:cNvPicPr>
+            <a:picLocks noGrp="1" noChangeAspect="1"/>
+          </p:cNvPicPr>
+          <p:nvPr>
+            <p:ph idx="1"/>
+          </p:nvPr>
+        </p:nvPicPr>
+        <p:blipFill>
+          <a:blip r:embed="rId2" cstate="email">
+            <a:extLst>
+              <a:ext uri="{28A0092B-C50C-407E-A947-70E740481C1C}">
+                <a14:useLocalDpi xmlns:a14="http://schemas.microsoft.com/office/drawing/2010/main" val="0"/>
+              </a:ext>
+            </a:extLst>
+          </a:blip>
+          <a:stretch>
+            <a:fillRect/>
+          </a:stretch>
+        </p:blipFill>
+        <p:spPr>
+          <a:xfrm>
+            <a:off x="457200" y="2573053"/>
+            <a:ext cx="8229600" cy="4129110"/>
+          </a:xfrm>
+        </p:spPr>
+      </p:pic>
+    </p:spTree>
+    <p:extLst>
+      <p:ext uri="{BB962C8B-B14F-4D97-AF65-F5344CB8AC3E}">
+        <p14:creationId xmlns:p14="http://schemas.microsoft.com/office/powerpoint/2010/main" val="701657238"/>
+      </p:ext>
+    </p:extLst>
+  </p:cSld>
+  <p:clrMapOvr>
+    <a:masterClrMapping/>
+  </p:clrMapOvr>
+  <p:timing>
+    <p:tnLst>
+      <p:par>
+        <p:cTn id="1" dur="indefinite" restart="never" nodeType="tmRoot"/>
       </p:par>
     </p:tnLst>
   </p:timing>

--- a/presentation/SEVEN.pptx
+++ b/presentation/SEVEN.pptx
@@ -7,9 +7,9 @@
   <p:sldIdLst>
     <p:sldId id="256" r:id="rId2"/>
     <p:sldId id="257" r:id="rId3"/>
-    <p:sldId id="262" r:id="rId4"/>
-    <p:sldId id="258" r:id="rId5"/>
-    <p:sldId id="259" r:id="rId6"/>
+    <p:sldId id="258" r:id="rId4"/>
+    <p:sldId id="259" r:id="rId5"/>
+    <p:sldId id="262" r:id="rId6"/>
     <p:sldId id="260" r:id="rId7"/>
     <p:sldId id="261" r:id="rId8"/>
   </p:sldIdLst>
@@ -5267,7 +5267,7 @@
       </p:grpSpPr>
       <p:sp>
         <p:nvSpPr>
-          <p:cNvPr id="2" name="Titel 1"/>
+          <p:cNvPr id="2" name="Title 1"/>
           <p:cNvSpPr>
             <a:spLocks noGrp="1"/>
           </p:cNvSpPr>
@@ -5281,32 +5281,16 @@
           <a:lstStyle/>
           <a:p>
             <a:r>
-              <a:rPr lang="de-CH" dirty="0" err="1" smtClean="0"/>
-              <a:t>What</a:t>
-            </a:r>
-            <a:r>
-              <a:rPr lang="de-CH" dirty="0" smtClean="0"/>
-              <a:t> </a:t>
-            </a:r>
-            <a:r>
-              <a:rPr lang="de-CH" dirty="0" err="1" smtClean="0"/>
-              <a:t>we</a:t>
-            </a:r>
-            <a:r>
-              <a:rPr lang="de-CH" dirty="0" smtClean="0"/>
-              <a:t> </a:t>
-            </a:r>
-            <a:r>
-              <a:rPr lang="de-CH" dirty="0" err="1" smtClean="0"/>
-              <a:t>did</a:t>
-            </a:r>
-            <a:endParaRPr lang="de-CH" dirty="0"/>
-          </a:p>
-        </p:txBody>
-      </p:sp>
-      <p:sp>
-        <p:nvSpPr>
-          <p:cNvPr id="3" name="Inhaltsplatzhalter 2"/>
+              <a:rPr lang="en-US" dirty="0" smtClean="0"/>
+              <a:t>What’s the Problem?</a:t>
+            </a:r>
+            <a:endParaRPr lang="en-US" dirty="0"/>
+          </a:p>
+        </p:txBody>
+      </p:sp>
+      <p:sp>
+        <p:nvSpPr>
+          <p:cNvPr id="3" name="Content Placeholder 2"/>
           <p:cNvSpPr>
             <a:spLocks noGrp="1"/>
           </p:cNvSpPr>
@@ -5320,293 +5304,75 @@
           <a:lstStyle/>
           <a:p>
             <a:r>
-              <a:rPr lang="de-CH" dirty="0" smtClean="0"/>
-              <a:t>Big-</a:t>
-            </a:r>
-            <a:r>
-              <a:rPr lang="de-CH" dirty="0" err="1" smtClean="0"/>
-              <a:t>data</a:t>
-            </a:r>
-            <a:r>
-              <a:rPr lang="de-CH" dirty="0" smtClean="0"/>
-              <a:t> </a:t>
-            </a:r>
-            <a:r>
-              <a:rPr lang="de-CH" dirty="0" smtClean="0">
-                <a:sym typeface="Wingdings" panose="05000000000000000000" pitchFamily="2" charset="2"/>
-              </a:rPr>
-              <a:t> not </a:t>
-            </a:r>
-            <a:r>
-              <a:rPr lang="de-CH" dirty="0" err="1" smtClean="0">
-                <a:sym typeface="Wingdings" panose="05000000000000000000" pitchFamily="2" charset="2"/>
-              </a:rPr>
-              <a:t>enough</a:t>
-            </a:r>
-            <a:r>
-              <a:rPr lang="de-CH" dirty="0" smtClean="0">
-                <a:sym typeface="Wingdings" panose="05000000000000000000" pitchFamily="2" charset="2"/>
-              </a:rPr>
-              <a:t> </a:t>
-            </a:r>
-            <a:r>
-              <a:rPr lang="de-CH" dirty="0" err="1" smtClean="0">
-                <a:sym typeface="Wingdings" panose="05000000000000000000" pitchFamily="2" charset="2"/>
-              </a:rPr>
-              <a:t>data</a:t>
-            </a:r>
-            <a:r>
-              <a:rPr lang="de-CH" dirty="0" smtClean="0">
-                <a:sym typeface="Wingdings" panose="05000000000000000000" pitchFamily="2" charset="2"/>
-              </a:rPr>
-              <a:t> </a:t>
-            </a:r>
-            <a:r>
-              <a:rPr lang="de-CH" dirty="0" err="1" smtClean="0">
-                <a:sym typeface="Wingdings" panose="05000000000000000000" pitchFamily="2" charset="2"/>
-              </a:rPr>
-              <a:t>for</a:t>
-            </a:r>
-            <a:r>
-              <a:rPr lang="de-CH" dirty="0" smtClean="0">
-                <a:sym typeface="Wingdings" panose="05000000000000000000" pitchFamily="2" charset="2"/>
-              </a:rPr>
-              <a:t> </a:t>
-            </a:r>
-            <a:r>
-              <a:rPr lang="de-CH" dirty="0" err="1" smtClean="0">
-                <a:sym typeface="Wingdings" panose="05000000000000000000" pitchFamily="2" charset="2"/>
-              </a:rPr>
-              <a:t>regression</a:t>
-            </a:r>
-            <a:endParaRPr lang="de-CH" dirty="0" smtClean="0"/>
-          </a:p>
-          <a:p>
-            <a:r>
-              <a:rPr lang="de-CH" dirty="0" smtClean="0"/>
-              <a:t>Switch </a:t>
-            </a:r>
-            <a:r>
-              <a:rPr lang="de-CH" dirty="0" err="1" smtClean="0"/>
-              <a:t>to</a:t>
-            </a:r>
-            <a:r>
-              <a:rPr lang="de-CH" dirty="0" smtClean="0"/>
-              <a:t> </a:t>
-            </a:r>
-            <a:r>
-              <a:rPr lang="de-CH" dirty="0" err="1" smtClean="0"/>
-              <a:t>workshop</a:t>
-            </a:r>
-            <a:r>
-              <a:rPr lang="de-CH" dirty="0" smtClean="0"/>
-              <a:t> 3: Realtime </a:t>
-            </a:r>
-            <a:r>
-              <a:rPr lang="de-CH" dirty="0" err="1" smtClean="0"/>
-              <a:t>data</a:t>
-            </a:r>
-            <a:r>
-              <a:rPr lang="de-CH" dirty="0" smtClean="0"/>
-              <a:t> </a:t>
-            </a:r>
-            <a:r>
-              <a:rPr lang="de-CH" dirty="0" err="1" smtClean="0"/>
-              <a:t>checks</a:t>
-            </a:r>
-            <a:r>
-              <a:rPr lang="de-CH" dirty="0" smtClean="0"/>
-              <a:t> </a:t>
-            </a:r>
-            <a:r>
-              <a:rPr lang="de-CH" dirty="0" smtClean="0">
-                <a:sym typeface="Wingdings" panose="05000000000000000000" pitchFamily="2" charset="2"/>
-              </a:rPr>
-              <a:t> </a:t>
-            </a:r>
-            <a:r>
-              <a:rPr lang="de-CH" dirty="0" err="1" smtClean="0">
-                <a:sym typeface="Wingdings" panose="05000000000000000000" pitchFamily="2" charset="2"/>
-              </a:rPr>
-              <a:t>success</a:t>
-            </a:r>
-            <a:endParaRPr lang="de-CH" dirty="0">
-              <a:sym typeface="Wingdings" panose="05000000000000000000" pitchFamily="2" charset="2"/>
-            </a:endParaRPr>
-          </a:p>
-          <a:p>
-            <a:pPr lvl="1"/>
-            <a:r>
-              <a:rPr lang="de-CH" dirty="0" err="1" smtClean="0">
-                <a:sym typeface="Wingdings" panose="05000000000000000000" pitchFamily="2" charset="2"/>
-              </a:rPr>
-              <a:t>Sliding</a:t>
-            </a:r>
-            <a:r>
-              <a:rPr lang="de-CH" dirty="0" smtClean="0">
-                <a:sym typeface="Wingdings" panose="05000000000000000000" pitchFamily="2" charset="2"/>
-              </a:rPr>
-              <a:t> </a:t>
-            </a:r>
-            <a:r>
-              <a:rPr lang="de-CH" dirty="0" err="1" smtClean="0">
-                <a:sym typeface="Wingdings" panose="05000000000000000000" pitchFamily="2" charset="2"/>
-              </a:rPr>
-              <a:t>window</a:t>
-            </a:r>
-            <a:r>
-              <a:rPr lang="de-CH" dirty="0" smtClean="0">
-                <a:sym typeface="Wingdings" panose="05000000000000000000" pitchFamily="2" charset="2"/>
-              </a:rPr>
-              <a:t> robust </a:t>
-            </a:r>
-            <a:r>
-              <a:rPr lang="de-CH" dirty="0" err="1" smtClean="0">
-                <a:sym typeface="Wingdings" panose="05000000000000000000" pitchFamily="2" charset="2"/>
-              </a:rPr>
-              <a:t>estimator</a:t>
-            </a:r>
-            <a:endParaRPr lang="de-CH" dirty="0" smtClean="0">
-              <a:sym typeface="Wingdings" panose="05000000000000000000" pitchFamily="2" charset="2"/>
-            </a:endParaRPr>
-          </a:p>
-          <a:p>
-            <a:r>
-              <a:rPr lang="de-CH" dirty="0" err="1" smtClean="0">
-                <a:sym typeface="Wingdings" panose="05000000000000000000" pitchFamily="2" charset="2"/>
-              </a:rPr>
-              <a:t>No</a:t>
-            </a:r>
-            <a:r>
-              <a:rPr lang="de-CH" dirty="0" smtClean="0">
-                <a:sym typeface="Wingdings" panose="05000000000000000000" pitchFamily="2" charset="2"/>
-              </a:rPr>
-              <a:t> </a:t>
-            </a:r>
-            <a:r>
-              <a:rPr lang="de-CH" dirty="0" err="1" smtClean="0">
-                <a:sym typeface="Wingdings" panose="05000000000000000000" pitchFamily="2" charset="2"/>
-              </a:rPr>
-              <a:t>satisfactory</a:t>
-            </a:r>
-            <a:r>
-              <a:rPr lang="de-CH" dirty="0" smtClean="0">
-                <a:sym typeface="Wingdings" panose="05000000000000000000" pitchFamily="2" charset="2"/>
-              </a:rPr>
-              <a:t> </a:t>
-            </a:r>
-            <a:r>
-              <a:rPr lang="de-CH" dirty="0" err="1" smtClean="0">
-                <a:sym typeface="Wingdings" panose="05000000000000000000" pitchFamily="2" charset="2"/>
-              </a:rPr>
-              <a:t>plotting</a:t>
-            </a:r>
-            <a:r>
-              <a:rPr lang="de-CH" dirty="0" smtClean="0">
-                <a:sym typeface="Wingdings" panose="05000000000000000000" pitchFamily="2" charset="2"/>
-              </a:rPr>
-              <a:t> </a:t>
-            </a:r>
-            <a:r>
-              <a:rPr lang="de-CH" dirty="0" err="1" smtClean="0">
-                <a:sym typeface="Wingdings" panose="05000000000000000000" pitchFamily="2" charset="2"/>
-              </a:rPr>
-              <a:t>libary</a:t>
-            </a:r>
-            <a:r>
-              <a:rPr lang="de-CH" dirty="0" smtClean="0">
-                <a:sym typeface="Wingdings" panose="05000000000000000000" pitchFamily="2" charset="2"/>
-              </a:rPr>
-              <a:t>  </a:t>
-            </a:r>
-            <a:r>
-              <a:rPr lang="de-CH" dirty="0" err="1" smtClean="0">
-                <a:sym typeface="Wingdings" panose="05000000000000000000" pitchFamily="2" charset="2"/>
-              </a:rPr>
-              <a:t>own</a:t>
-            </a:r>
-            <a:r>
-              <a:rPr lang="de-CH" dirty="0" smtClean="0">
-                <a:sym typeface="Wingdings" panose="05000000000000000000" pitchFamily="2" charset="2"/>
-              </a:rPr>
-              <a:t> </a:t>
-            </a:r>
-            <a:r>
-              <a:rPr lang="de-CH" dirty="0" err="1" smtClean="0">
-                <a:sym typeface="Wingdings" panose="05000000000000000000" pitchFamily="2" charset="2"/>
-              </a:rPr>
-              <a:t>solution</a:t>
-            </a:r>
-            <a:endParaRPr lang="de-CH" dirty="0">
-              <a:sym typeface="Wingdings" panose="05000000000000000000" pitchFamily="2" charset="2"/>
-            </a:endParaRPr>
-          </a:p>
-          <a:p>
-            <a:r>
-              <a:rPr lang="de-CH" dirty="0" smtClean="0">
-                <a:sym typeface="Wingdings" panose="05000000000000000000" pitchFamily="2" charset="2"/>
-              </a:rPr>
-              <a:t>Website </a:t>
-            </a:r>
-            <a:r>
-              <a:rPr lang="de-CH" dirty="0" err="1" smtClean="0">
-                <a:sym typeface="Wingdings" panose="05000000000000000000" pitchFamily="2" charset="2"/>
-              </a:rPr>
-              <a:t>using</a:t>
-            </a:r>
-            <a:r>
-              <a:rPr lang="de-CH" dirty="0" smtClean="0">
-                <a:sym typeface="Wingdings" panose="05000000000000000000" pitchFamily="2" charset="2"/>
-              </a:rPr>
-              <a:t> </a:t>
-            </a:r>
-            <a:r>
-              <a:rPr lang="de-CH" dirty="0" err="1" smtClean="0">
-                <a:sym typeface="Wingdings" panose="05000000000000000000" pitchFamily="2" charset="2"/>
-              </a:rPr>
-              <a:t>bootstrap</a:t>
-            </a:r>
-            <a:r>
-              <a:rPr lang="de-CH" dirty="0">
-                <a:sym typeface="Wingdings" panose="05000000000000000000" pitchFamily="2" charset="2"/>
-              </a:rPr>
-              <a:t> </a:t>
-            </a:r>
-            <a:r>
-              <a:rPr lang="de-CH" dirty="0" err="1" smtClean="0">
-                <a:sym typeface="Wingdings" panose="05000000000000000000" pitchFamily="2" charset="2"/>
-              </a:rPr>
-              <a:t>and</a:t>
-            </a:r>
-            <a:r>
-              <a:rPr lang="de-CH" dirty="0" smtClean="0">
-                <a:sym typeface="Wingdings" panose="05000000000000000000" pitchFamily="2" charset="2"/>
-              </a:rPr>
-              <a:t> HTML 5  mobile </a:t>
-            </a:r>
-            <a:r>
-              <a:rPr lang="de-CH" dirty="0" err="1" smtClean="0">
-                <a:sym typeface="Wingdings" panose="05000000000000000000" pitchFamily="2" charset="2"/>
-              </a:rPr>
-              <a:t>compatible</a:t>
-            </a:r>
-            <a:endParaRPr lang="de-CH" dirty="0" smtClean="0"/>
-          </a:p>
-          <a:p>
-            <a:endParaRPr lang="de-CH" dirty="0"/>
+              <a:rPr lang="en-US" dirty="0" smtClean="0"/>
+              <a:t>Heterogeneous raw data</a:t>
+            </a:r>
+          </a:p>
+          <a:p>
+            <a:r>
+              <a:rPr lang="en-US" dirty="0" smtClean="0"/>
+              <a:t>Multiple monitoring systems</a:t>
+            </a:r>
+          </a:p>
+          <a:p>
+            <a:r>
+              <a:rPr lang="en-US" dirty="0" smtClean="0"/>
+              <a:t>Unreliable error detection (static bounds, manual </a:t>
+            </a:r>
+            <a:r>
+              <a:rPr lang="en-US" dirty="0" err="1" smtClean="0"/>
+              <a:t>config</a:t>
+            </a:r>
+            <a:r>
+              <a:rPr lang="en-US" dirty="0" smtClean="0"/>
+              <a:t>)</a:t>
+            </a:r>
+          </a:p>
+          <a:p>
+            <a:r>
+              <a:rPr lang="en-US" dirty="0" smtClean="0"/>
+              <a:t>Slow error </a:t>
+            </a:r>
+            <a:r>
+              <a:rPr lang="en-US" dirty="0"/>
+              <a:t>p</a:t>
+            </a:r>
+            <a:r>
+              <a:rPr lang="en-US" dirty="0" smtClean="0"/>
+              <a:t>rocessing</a:t>
+            </a:r>
+          </a:p>
+          <a:p>
+            <a:endParaRPr lang="en-US" dirty="0" smtClean="0"/>
+          </a:p>
+          <a:p>
+            <a:endParaRPr lang="en-US" dirty="0" smtClean="0"/>
+          </a:p>
+          <a:p>
+            <a:endParaRPr lang="en-US" dirty="0" smtClean="0"/>
+          </a:p>
+          <a:p>
+            <a:endParaRPr lang="en-US" dirty="0"/>
           </a:p>
         </p:txBody>
       </p:sp>
     </p:spTree>
     <p:extLst>
       <p:ext uri="{BB962C8B-B14F-4D97-AF65-F5344CB8AC3E}">
-        <p14:creationId xmlns:p14="http://schemas.microsoft.com/office/powerpoint/2010/main" val="3631694715"/>
+        <p14:creationId xmlns:p14="http://schemas.microsoft.com/office/powerpoint/2010/main" val="2519994279"/>
       </p:ext>
     </p:extLst>
   </p:cSld>
   <p:clrMapOvr>
     <a:masterClrMapping/>
   </p:clrMapOvr>
+  <p:timing>
+    <p:tnLst>
+      <p:par>
+        <p:cTn id="1" dur="indefinite" restart="never" nodeType="tmRoot"/>
+      </p:par>
+    </p:tnLst>
+  </p:timing>
 </p:sld>
 </file>
 
@@ -5644,7 +5410,7 @@
           <a:p>
             <a:r>
               <a:rPr lang="en-US" dirty="0" smtClean="0"/>
-              <a:t>What’s the Problem?</a:t>
+              <a:t>What we offer</a:t>
             </a:r>
             <a:endParaRPr lang="en-US" dirty="0"/>
           </a:p>
@@ -5660,52 +5426,94 @@
             <p:ph idx="1"/>
           </p:nvPr>
         </p:nvSpPr>
-        <p:spPr/>
-        <p:txBody>
-          <a:bodyPr/>
+        <p:spPr>
+          <a:xfrm>
+            <a:off x="739775" y="2619592"/>
+            <a:ext cx="7662864" cy="3417671"/>
+          </a:xfrm>
+        </p:spPr>
+        <p:txBody>
+          <a:bodyPr>
+            <a:normAutofit/>
+          </a:bodyPr>
           <a:lstStyle/>
           <a:p>
             <a:r>
               <a:rPr lang="en-US" dirty="0" smtClean="0"/>
-              <a:t>Heterogeneous raw data</a:t>
-            </a:r>
-          </a:p>
-          <a:p>
+              <a:t>Built-in raw </a:t>
+            </a:r>
+            <a:r>
+              <a:rPr lang="en-US" dirty="0"/>
+              <a:t>d</a:t>
+            </a:r>
             <a:r>
               <a:rPr lang="en-US" dirty="0" smtClean="0"/>
-              <a:t>Multiple monitoring systems</a:t>
-            </a:r>
-          </a:p>
-          <a:p>
+              <a:t>ata </a:t>
+            </a:r>
+            <a:r>
+              <a:rPr lang="en-US" dirty="0"/>
+              <a:t>a</a:t>
+            </a:r>
             <a:r>
               <a:rPr lang="en-US" dirty="0" smtClean="0"/>
-              <a:t>Unreliable error detection (static bounds, manual </a:t>
-            </a:r>
-            <a:r>
-              <a:rPr lang="en-US" dirty="0" err="1" smtClean="0"/>
-              <a:t>config</a:t>
-            </a:r>
+              <a:t>ggregation</a:t>
+            </a:r>
+          </a:p>
+          <a:p>
             <a:r>
               <a:rPr lang="en-US" dirty="0" smtClean="0"/>
-              <a:t>)</a:t>
-            </a:r>
-          </a:p>
-          <a:p>
+              <a:t>Integrated data </a:t>
+            </a:r>
+            <a:r>
+              <a:rPr lang="en-US" dirty="0"/>
+              <a:t>m</a:t>
+            </a:r>
             <a:r>
               <a:rPr lang="en-US" dirty="0" smtClean="0"/>
-              <a:t>Slow error </a:t>
+              <a:t>onitoring</a:t>
+            </a:r>
+          </a:p>
+          <a:p>
+            <a:r>
+              <a:rPr lang="en-US" dirty="0" smtClean="0"/>
+              <a:t>Dynamic, robust </a:t>
             </a:r>
             <a:r>
               <a:rPr lang="en-US" dirty="0"/>
-              <a:t>p</a:t>
+              <a:t>v</a:t>
             </a:r>
             <a:r>
               <a:rPr lang="en-US" dirty="0" smtClean="0"/>
-              <a:t>rocessing</a:t>
-            </a:r>
-          </a:p>
-          <a:p>
-            <a:endParaRPr lang="en-US" dirty="0" smtClean="0"/>
+              <a:t>olatility </a:t>
+            </a:r>
+            <a:r>
+              <a:rPr lang="en-US" dirty="0"/>
+              <a:t>m</a:t>
+            </a:r>
+            <a:r>
+              <a:rPr lang="en-US" dirty="0" smtClean="0"/>
+              <a:t>easurement (fully automated)</a:t>
+            </a:r>
+          </a:p>
+          <a:p>
+            <a:r>
+              <a:rPr lang="en-US" dirty="0" smtClean="0"/>
+              <a:t>Statistical outlier </a:t>
+            </a:r>
+            <a:r>
+              <a:rPr lang="en-US" dirty="0"/>
+              <a:t>d</a:t>
+            </a:r>
+            <a:r>
+              <a:rPr lang="en-US" dirty="0" smtClean="0"/>
+              <a:t>etection for identifying corrupted streams</a:t>
+            </a:r>
+          </a:p>
+          <a:p>
+            <a:r>
+              <a:rPr lang="en-US" dirty="0" smtClean="0"/>
+              <a:t>Fast error handling</a:t>
+            </a:r>
           </a:p>
           <a:p>
             <a:endParaRPr lang="en-US" dirty="0" smtClean="0"/>
@@ -5721,7 +5529,7 @@
     </p:spTree>
     <p:extLst>
       <p:ext uri="{BB962C8B-B14F-4D97-AF65-F5344CB8AC3E}">
-        <p14:creationId xmlns:p14="http://schemas.microsoft.com/office/powerpoint/2010/main" val="2519994279"/>
+        <p14:creationId xmlns:p14="http://schemas.microsoft.com/office/powerpoint/2010/main" val="182173401"/>
       </p:ext>
     </p:extLst>
   </p:cSld>
@@ -5757,7 +5565,7 @@
       </p:grpSpPr>
       <p:sp>
         <p:nvSpPr>
-          <p:cNvPr id="2" name="Title 1"/>
+          <p:cNvPr id="2" name="Titel 1"/>
           <p:cNvSpPr>
             <a:spLocks noGrp="1"/>
           </p:cNvSpPr>
@@ -5771,16 +5579,32 @@
           <a:lstStyle/>
           <a:p>
             <a:r>
-              <a:rPr lang="en-US" dirty="0" smtClean="0"/>
-              <a:t>What we offer</a:t>
-            </a:r>
-            <a:endParaRPr lang="en-US" dirty="0"/>
-          </a:p>
-        </p:txBody>
-      </p:sp>
-      <p:sp>
-        <p:nvSpPr>
-          <p:cNvPr id="3" name="Content Placeholder 2"/>
+              <a:rPr lang="de-CH" dirty="0" err="1" smtClean="0"/>
+              <a:t>What</a:t>
+            </a:r>
+            <a:r>
+              <a:rPr lang="de-CH" dirty="0" smtClean="0"/>
+              <a:t> </a:t>
+            </a:r>
+            <a:r>
+              <a:rPr lang="de-CH" dirty="0" err="1" smtClean="0"/>
+              <a:t>we</a:t>
+            </a:r>
+            <a:r>
+              <a:rPr lang="de-CH" dirty="0" smtClean="0"/>
+              <a:t> </a:t>
+            </a:r>
+            <a:r>
+              <a:rPr lang="de-CH" dirty="0" err="1" smtClean="0"/>
+              <a:t>did</a:t>
+            </a:r>
+            <a:endParaRPr lang="de-CH" dirty="0"/>
+          </a:p>
+        </p:txBody>
+      </p:sp>
+      <p:sp>
+        <p:nvSpPr>
+          <p:cNvPr id="3" name="Inhaltsplatzhalter 2"/>
           <p:cNvSpPr>
             <a:spLocks noGrp="1"/>
           </p:cNvSpPr>
@@ -5788,123 +5612,299 @@
             <p:ph idx="1"/>
           </p:nvPr>
         </p:nvSpPr>
-        <p:spPr>
-          <a:xfrm>
-            <a:off x="739775" y="2619592"/>
-            <a:ext cx="7662864" cy="3417671"/>
-          </a:xfrm>
-        </p:spPr>
-        <p:txBody>
-          <a:bodyPr>
-            <a:normAutofit/>
-          </a:bodyPr>
-          <a:lstStyle/>
-          <a:p>
-            <a:r>
-              <a:rPr lang="en-US" dirty="0" smtClean="0"/>
-              <a:t>Built-in raw </a:t>
-            </a:r>
-            <a:r>
-              <a:rPr lang="en-US" dirty="0"/>
-              <a:t>d</a:t>
-            </a:r>
-            <a:r>
-              <a:rPr lang="en-US" dirty="0" smtClean="0"/>
-              <a:t>ata </a:t>
-            </a:r>
-            <a:r>
-              <a:rPr lang="en-US" dirty="0"/>
-              <a:t>a</a:t>
-            </a:r>
-            <a:r>
-              <a:rPr lang="en-US" dirty="0" smtClean="0"/>
-              <a:t>ggregation</a:t>
-            </a:r>
-          </a:p>
-          <a:p>
-            <a:r>
-              <a:rPr lang="en-US" dirty="0" smtClean="0"/>
-              <a:t>Integrated data </a:t>
-            </a:r>
-            <a:r>
-              <a:rPr lang="en-US" dirty="0"/>
-              <a:t>m</a:t>
-            </a:r>
-            <a:r>
-              <a:rPr lang="en-US" dirty="0" smtClean="0"/>
-              <a:t>onitoring</a:t>
-            </a:r>
-          </a:p>
-          <a:p>
-            <a:r>
-              <a:rPr lang="en-US" dirty="0" smtClean="0"/>
-              <a:t>Dynamic, robust </a:t>
-            </a:r>
-            <a:r>
-              <a:rPr lang="en-US" dirty="0"/>
-              <a:t>v</a:t>
-            </a:r>
-            <a:r>
-              <a:rPr lang="en-US" dirty="0" smtClean="0"/>
-              <a:t>olatility </a:t>
-            </a:r>
-            <a:r>
-              <a:rPr lang="en-US" dirty="0"/>
-              <a:t>m</a:t>
-            </a:r>
-            <a:r>
-              <a:rPr lang="en-US" dirty="0" smtClean="0"/>
-              <a:t>easurement (fully automated)</a:t>
-            </a:r>
-          </a:p>
-          <a:p>
-            <a:r>
-              <a:rPr lang="en-US" dirty="0" smtClean="0"/>
-              <a:t>Statistical outlier </a:t>
-            </a:r>
-            <a:r>
-              <a:rPr lang="en-US" dirty="0"/>
-              <a:t>d</a:t>
-            </a:r>
-            <a:r>
-              <a:rPr lang="en-US" dirty="0" smtClean="0"/>
-              <a:t>etection for identifying corrupted streams</a:t>
-            </a:r>
-          </a:p>
-          <a:p>
-            <a:r>
-              <a:rPr lang="en-US" dirty="0" smtClean="0"/>
-              <a:t>Fast error handling</a:t>
-            </a:r>
-          </a:p>
-          <a:p>
-            <a:endParaRPr lang="en-US" dirty="0" smtClean="0"/>
-          </a:p>
-          <a:p>
-            <a:endParaRPr lang="en-US" dirty="0" smtClean="0"/>
-          </a:p>
-          <a:p>
-            <a:endParaRPr lang="en-US" dirty="0"/>
+        <p:spPr/>
+        <p:txBody>
+          <a:bodyPr/>
+          <a:lstStyle/>
+          <a:p>
+            <a:r>
+              <a:rPr lang="de-CH" dirty="0" smtClean="0"/>
+              <a:t>Big-</a:t>
+            </a:r>
+            <a:r>
+              <a:rPr lang="de-CH" dirty="0" err="1" smtClean="0"/>
+              <a:t>data</a:t>
+            </a:r>
+            <a:r>
+              <a:rPr lang="de-CH" dirty="0" smtClean="0"/>
+              <a:t> </a:t>
+            </a:r>
+            <a:r>
+              <a:rPr lang="de-CH" dirty="0" smtClean="0">
+                <a:sym typeface="Wingdings" panose="05000000000000000000" pitchFamily="2" charset="2"/>
+              </a:rPr>
+              <a:t> not </a:t>
+            </a:r>
+            <a:r>
+              <a:rPr lang="de-CH" dirty="0" err="1" smtClean="0">
+                <a:sym typeface="Wingdings" panose="05000000000000000000" pitchFamily="2" charset="2"/>
+              </a:rPr>
+              <a:t>enough</a:t>
+            </a:r>
+            <a:r>
+              <a:rPr lang="de-CH" dirty="0" smtClean="0">
+                <a:sym typeface="Wingdings" panose="05000000000000000000" pitchFamily="2" charset="2"/>
+              </a:rPr>
+              <a:t> </a:t>
+            </a:r>
+            <a:r>
+              <a:rPr lang="de-CH" dirty="0" err="1" smtClean="0">
+                <a:sym typeface="Wingdings" panose="05000000000000000000" pitchFamily="2" charset="2"/>
+              </a:rPr>
+              <a:t>data</a:t>
+            </a:r>
+            <a:r>
+              <a:rPr lang="de-CH" dirty="0" smtClean="0">
+                <a:sym typeface="Wingdings" panose="05000000000000000000" pitchFamily="2" charset="2"/>
+              </a:rPr>
+              <a:t> </a:t>
+            </a:r>
+            <a:r>
+              <a:rPr lang="de-CH" dirty="0" err="1" smtClean="0">
+                <a:sym typeface="Wingdings" panose="05000000000000000000" pitchFamily="2" charset="2"/>
+              </a:rPr>
+              <a:t>for</a:t>
+            </a:r>
+            <a:r>
+              <a:rPr lang="de-CH" dirty="0" smtClean="0">
+                <a:sym typeface="Wingdings" panose="05000000000000000000" pitchFamily="2" charset="2"/>
+              </a:rPr>
+              <a:t> </a:t>
+            </a:r>
+            <a:r>
+              <a:rPr lang="de-CH" dirty="0" err="1" smtClean="0">
+                <a:sym typeface="Wingdings" panose="05000000000000000000" pitchFamily="2" charset="2"/>
+              </a:rPr>
+              <a:t>regression</a:t>
+            </a:r>
+            <a:endParaRPr lang="de-CH" dirty="0" smtClean="0"/>
+          </a:p>
+          <a:p>
+            <a:r>
+              <a:rPr lang="de-CH" dirty="0" smtClean="0"/>
+              <a:t>Switch </a:t>
+            </a:r>
+            <a:r>
+              <a:rPr lang="de-CH" dirty="0" err="1" smtClean="0"/>
+              <a:t>to</a:t>
+            </a:r>
+            <a:r>
+              <a:rPr lang="de-CH" dirty="0" smtClean="0"/>
+              <a:t> </a:t>
+            </a:r>
+            <a:r>
+              <a:rPr lang="de-CH" dirty="0" err="1" smtClean="0"/>
+              <a:t>workshop</a:t>
+            </a:r>
+            <a:r>
+              <a:rPr lang="de-CH" dirty="0" smtClean="0"/>
+              <a:t> 3: Realtime </a:t>
+            </a:r>
+            <a:r>
+              <a:rPr lang="de-CH" dirty="0" err="1" smtClean="0"/>
+              <a:t>data</a:t>
+            </a:r>
+            <a:r>
+              <a:rPr lang="de-CH" dirty="0" smtClean="0"/>
+              <a:t> </a:t>
+            </a:r>
+            <a:r>
+              <a:rPr lang="de-CH" dirty="0" err="1" smtClean="0"/>
+              <a:t>checks</a:t>
+            </a:r>
+            <a:r>
+              <a:rPr lang="de-CH" dirty="0" smtClean="0"/>
+              <a:t> </a:t>
+            </a:r>
+            <a:r>
+              <a:rPr lang="de-CH" dirty="0" smtClean="0">
+                <a:sym typeface="Wingdings" panose="05000000000000000000" pitchFamily="2" charset="2"/>
+              </a:rPr>
+              <a:t> </a:t>
+            </a:r>
+            <a:r>
+              <a:rPr lang="de-CH" dirty="0" err="1" smtClean="0">
+                <a:sym typeface="Wingdings" panose="05000000000000000000" pitchFamily="2" charset="2"/>
+              </a:rPr>
+              <a:t>success</a:t>
+            </a:r>
+            <a:endParaRPr lang="de-CH" dirty="0">
+              <a:sym typeface="Wingdings" panose="05000000000000000000" pitchFamily="2" charset="2"/>
+            </a:endParaRPr>
+          </a:p>
+          <a:p>
+            <a:pPr lvl="1"/>
+            <a:r>
+              <a:rPr lang="de-CH" dirty="0" err="1" smtClean="0">
+                <a:sym typeface="Wingdings" panose="05000000000000000000" pitchFamily="2" charset="2"/>
+              </a:rPr>
+              <a:t>Sliding</a:t>
+            </a:r>
+            <a:r>
+              <a:rPr lang="de-CH" dirty="0" smtClean="0">
+                <a:sym typeface="Wingdings" panose="05000000000000000000" pitchFamily="2" charset="2"/>
+              </a:rPr>
+              <a:t> </a:t>
+            </a:r>
+            <a:r>
+              <a:rPr lang="de-CH" dirty="0" err="1" smtClean="0">
+                <a:sym typeface="Wingdings" panose="05000000000000000000" pitchFamily="2" charset="2"/>
+              </a:rPr>
+              <a:t>window</a:t>
+            </a:r>
+            <a:r>
+              <a:rPr lang="de-CH" dirty="0" smtClean="0">
+                <a:sym typeface="Wingdings" panose="05000000000000000000" pitchFamily="2" charset="2"/>
+              </a:rPr>
+              <a:t> robust </a:t>
+            </a:r>
+            <a:r>
+              <a:rPr lang="de-CH" dirty="0" err="1" smtClean="0">
+                <a:sym typeface="Wingdings" panose="05000000000000000000" pitchFamily="2" charset="2"/>
+              </a:rPr>
+              <a:t>estimator</a:t>
+            </a:r>
+            <a:endParaRPr lang="de-CH" dirty="0" smtClean="0">
+              <a:sym typeface="Wingdings" panose="05000000000000000000" pitchFamily="2" charset="2"/>
+            </a:endParaRPr>
+          </a:p>
+          <a:p>
+            <a:r>
+              <a:rPr lang="de-CH" dirty="0" err="1" smtClean="0">
+                <a:sym typeface="Wingdings" panose="05000000000000000000" pitchFamily="2" charset="2"/>
+              </a:rPr>
+              <a:t>No</a:t>
+            </a:r>
+            <a:r>
+              <a:rPr lang="de-CH" dirty="0" smtClean="0">
+                <a:sym typeface="Wingdings" panose="05000000000000000000" pitchFamily="2" charset="2"/>
+              </a:rPr>
+              <a:t> </a:t>
+            </a:r>
+            <a:r>
+              <a:rPr lang="de-CH" dirty="0" err="1" smtClean="0">
+                <a:sym typeface="Wingdings" panose="05000000000000000000" pitchFamily="2" charset="2"/>
+              </a:rPr>
+              <a:t>satisfactory</a:t>
+            </a:r>
+            <a:r>
+              <a:rPr lang="de-CH" dirty="0" smtClean="0">
+                <a:sym typeface="Wingdings" panose="05000000000000000000" pitchFamily="2" charset="2"/>
+              </a:rPr>
+              <a:t> </a:t>
+            </a:r>
+            <a:r>
+              <a:rPr lang="de-CH" dirty="0" err="1" smtClean="0">
+                <a:sym typeface="Wingdings" panose="05000000000000000000" pitchFamily="2" charset="2"/>
+              </a:rPr>
+              <a:t>plotting</a:t>
+            </a:r>
+            <a:r>
+              <a:rPr lang="de-CH" dirty="0" smtClean="0">
+                <a:sym typeface="Wingdings" panose="05000000000000000000" pitchFamily="2" charset="2"/>
+              </a:rPr>
+              <a:t> </a:t>
+            </a:r>
+            <a:r>
+              <a:rPr lang="de-CH" dirty="0" err="1" smtClean="0">
+                <a:sym typeface="Wingdings" panose="05000000000000000000" pitchFamily="2" charset="2"/>
+              </a:rPr>
+              <a:t>libary</a:t>
+            </a:r>
+            <a:r>
+              <a:rPr lang="de-CH" dirty="0" smtClean="0">
+                <a:sym typeface="Wingdings" panose="05000000000000000000" pitchFamily="2" charset="2"/>
+              </a:rPr>
+              <a:t>  </a:t>
+            </a:r>
+            <a:r>
+              <a:rPr lang="de-CH" dirty="0" err="1" smtClean="0">
+                <a:sym typeface="Wingdings" panose="05000000000000000000" pitchFamily="2" charset="2"/>
+              </a:rPr>
+              <a:t>own</a:t>
+            </a:r>
+            <a:r>
+              <a:rPr lang="de-CH" dirty="0" smtClean="0">
+                <a:sym typeface="Wingdings" panose="05000000000000000000" pitchFamily="2" charset="2"/>
+              </a:rPr>
+              <a:t> </a:t>
+            </a:r>
+            <a:r>
+              <a:rPr lang="de-CH" dirty="0" err="1" smtClean="0">
+                <a:sym typeface="Wingdings" panose="05000000000000000000" pitchFamily="2" charset="2"/>
+              </a:rPr>
+              <a:t>solution</a:t>
+            </a:r>
+            <a:endParaRPr lang="de-CH" dirty="0">
+              <a:sym typeface="Wingdings" panose="05000000000000000000" pitchFamily="2" charset="2"/>
+            </a:endParaRPr>
+          </a:p>
+          <a:p>
+            <a:r>
+              <a:rPr lang="de-CH" dirty="0" smtClean="0">
+                <a:sym typeface="Wingdings" panose="05000000000000000000" pitchFamily="2" charset="2"/>
+              </a:rPr>
+              <a:t>Website </a:t>
+            </a:r>
+            <a:r>
+              <a:rPr lang="de-CH" dirty="0" err="1" smtClean="0">
+                <a:sym typeface="Wingdings" panose="05000000000000000000" pitchFamily="2" charset="2"/>
+              </a:rPr>
+              <a:t>using</a:t>
+            </a:r>
+            <a:r>
+              <a:rPr lang="de-CH" dirty="0" smtClean="0">
+                <a:sym typeface="Wingdings" panose="05000000000000000000" pitchFamily="2" charset="2"/>
+              </a:rPr>
+              <a:t> </a:t>
+            </a:r>
+            <a:r>
+              <a:rPr lang="de-CH" dirty="0" err="1" smtClean="0">
+                <a:sym typeface="Wingdings" panose="05000000000000000000" pitchFamily="2" charset="2"/>
+              </a:rPr>
+              <a:t>bootstrap</a:t>
+            </a:r>
+            <a:r>
+              <a:rPr lang="de-CH" dirty="0">
+                <a:sym typeface="Wingdings" panose="05000000000000000000" pitchFamily="2" charset="2"/>
+              </a:rPr>
+              <a:t> </a:t>
+            </a:r>
+            <a:r>
+              <a:rPr lang="de-CH" dirty="0" err="1" smtClean="0">
+                <a:sym typeface="Wingdings" panose="05000000000000000000" pitchFamily="2" charset="2"/>
+              </a:rPr>
+              <a:t>and</a:t>
+            </a:r>
+            <a:r>
+              <a:rPr lang="de-CH" dirty="0" smtClean="0">
+                <a:sym typeface="Wingdings" panose="05000000000000000000" pitchFamily="2" charset="2"/>
+              </a:rPr>
+              <a:t> HTML 5  mobile </a:t>
+            </a:r>
+            <a:r>
+              <a:rPr lang="de-CH" dirty="0" err="1" smtClean="0">
+                <a:sym typeface="Wingdings" panose="05000000000000000000" pitchFamily="2" charset="2"/>
+              </a:rPr>
+              <a:t>compatible</a:t>
+            </a:r>
+            <a:endParaRPr lang="de-CH" dirty="0" smtClean="0"/>
+          </a:p>
+          <a:p>
+            <a:endParaRPr lang="de-CH" dirty="0"/>
           </a:p>
         </p:txBody>
       </p:sp>
     </p:spTree>
     <p:extLst>
       <p:ext uri="{BB962C8B-B14F-4D97-AF65-F5344CB8AC3E}">
-        <p14:creationId xmlns:p14="http://schemas.microsoft.com/office/powerpoint/2010/main" val="182173401"/>
+        <p14:creationId xmlns:p14="http://schemas.microsoft.com/office/powerpoint/2010/main" val="3631694715"/>
       </p:ext>
     </p:extLst>
   </p:cSld>
   <p:clrMapOvr>
     <a:masterClrMapping/>
   </p:clrMapOvr>
-  <p:timing>
-    <p:tnLst>
-      <p:par>
-        <p:cTn id="1" dur="indefinite" restart="never" nodeType="tmRoot"/>
-      </p:par>
-    </p:tnLst>
-  </p:timing>
 </p:sld>
 </file>
 

--- a/presentation/SEVEN.pptx
+++ b/presentation/SEVEN.pptx
@@ -2093,6 +2093,36 @@
           </a:p>
         </p:txBody>
       </p:sp>
+      <p:pic>
+        <p:nvPicPr>
+          <p:cNvPr id="7" name="Grafik 6"/>
+          <p:cNvPicPr>
+            <a:picLocks noChangeAspect="1"/>
+          </p:cNvPicPr>
+          <p:nvPr userDrawn="1"/>
+        </p:nvPicPr>
+        <p:blipFill>
+          <a:blip r:embed="rId2" cstate="email">
+            <a:extLst>
+              <a:ext uri="{28A0092B-C50C-407E-A947-70E740481C1C}">
+                <a14:useLocalDpi xmlns:a14="http://schemas.microsoft.com/office/drawing/2010/main" val="0"/>
+              </a:ext>
+            </a:extLst>
+          </a:blip>
+          <a:stretch>
+            <a:fillRect/>
+          </a:stretch>
+        </p:blipFill>
+        <p:spPr>
+          <a:xfrm>
+            <a:off x="7402513" y="6551612"/>
+            <a:ext cx="1608667" cy="241300"/>
+          </a:xfrm>
+          <a:prstGeom prst="rect">
+            <a:avLst/>
+          </a:prstGeom>
+        </p:spPr>
+      </p:pic>
     </p:spTree>
   </p:cSld>
   <p:clrMapOvr>
@@ -5905,6 +5935,13 @@
   <p:clrMapOvr>
     <a:masterClrMapping/>
   </p:clrMapOvr>
+  <p:timing>
+    <p:tnLst>
+      <p:par>
+        <p:cTn id="1" dur="indefinite" restart="never" nodeType="tmRoot"/>
+      </p:par>
+    </p:tnLst>
+  </p:timing>
 </p:sld>
 </file>
 
@@ -5975,6 +6012,36 @@
             <a:off x="457200" y="2581507"/>
             <a:ext cx="8231188" cy="4108462"/>
           </a:xfrm>
+        </p:spPr>
+      </p:pic>
+      <p:pic>
+        <p:nvPicPr>
+          <p:cNvPr id="4" name="Grafik 3"/>
+          <p:cNvPicPr>
+            <a:picLocks noChangeAspect="1"/>
+          </p:cNvPicPr>
+          <p:nvPr/>
+        </p:nvPicPr>
+        <p:blipFill>
+          <a:blip r:embed="rId3" cstate="email">
+            <a:extLst>
+              <a:ext uri="{28A0092B-C50C-407E-A947-70E740481C1C}">
+                <a14:useLocalDpi xmlns:a14="http://schemas.microsoft.com/office/drawing/2010/main" val="0"/>
+              </a:ext>
+            </a:extLst>
+          </a:blip>
+          <a:stretch>
+            <a:fillRect/>
+          </a:stretch>
+        </p:blipFill>
+        <p:spPr>
+          <a:xfrm>
+            <a:off x="7415282" y="6564573"/>
+            <a:ext cx="1592240" cy="238836"/>
+          </a:xfrm>
+          <a:prstGeom prst="rect">
+            <a:avLst/>
+          </a:prstGeom>
         </p:spPr>
       </p:pic>
     </p:spTree>
@@ -6014,37 +6081,6 @@
           <a:chExt cx="0" cy="0"/>
         </a:xfrm>
       </p:grpSpPr>
-      <p:sp>
-        <p:nvSpPr>
-          <p:cNvPr id="2" name="Titel 1"/>
-          <p:cNvSpPr>
-            <a:spLocks noGrp="1"/>
-          </p:cNvSpPr>
-          <p:nvPr>
-            <p:ph type="title"/>
-          </p:nvPr>
-        </p:nvSpPr>
-        <p:spPr/>
-        <p:txBody>
-          <a:bodyPr/>
-          <a:lstStyle/>
-          <a:p>
-            <a:r>
-              <a:rPr lang="de-CH" dirty="0" err="1" smtClean="0"/>
-              <a:t>Outlier</a:t>
-            </a:r>
-            <a:r>
-              <a:rPr lang="de-CH" dirty="0" smtClean="0"/>
-              <a:t> </a:t>
-            </a:r>
-            <a:r>
-              <a:rPr lang="de-CH" dirty="0" err="1" smtClean="0"/>
-              <a:t>detected</a:t>
-            </a:r>
-            <a:endParaRPr lang="de-CH" dirty="0"/>
-          </a:p>
-        </p:txBody>
-      </p:sp>
       <p:pic>
         <p:nvPicPr>
           <p:cNvPr id="5" name="Inhaltsplatzhalter 4"/>
@@ -6072,6 +6108,67 @@
             <a:off x="457200" y="2573053"/>
             <a:ext cx="8229600" cy="4129110"/>
           </a:xfrm>
+        </p:spPr>
+      </p:pic>
+      <p:sp>
+        <p:nvSpPr>
+          <p:cNvPr id="2" name="Titel 1"/>
+          <p:cNvSpPr>
+            <a:spLocks noGrp="1"/>
+          </p:cNvSpPr>
+          <p:nvPr>
+            <p:ph type="title"/>
+          </p:nvPr>
+        </p:nvSpPr>
+        <p:spPr/>
+        <p:txBody>
+          <a:bodyPr/>
+          <a:lstStyle/>
+          <a:p>
+            <a:r>
+              <a:rPr lang="de-CH" dirty="0" err="1" smtClean="0"/>
+              <a:t>Outlier</a:t>
+            </a:r>
+            <a:r>
+              <a:rPr lang="de-CH" dirty="0" smtClean="0"/>
+              <a:t> </a:t>
+            </a:r>
+            <a:r>
+              <a:rPr lang="de-CH" dirty="0" err="1" smtClean="0"/>
+              <a:t>detected</a:t>
+            </a:r>
+            <a:endParaRPr lang="de-CH" dirty="0"/>
+          </a:p>
+        </p:txBody>
+      </p:sp>
+      <p:pic>
+        <p:nvPicPr>
+          <p:cNvPr id="3" name="Grafik 2"/>
+          <p:cNvPicPr>
+            <a:picLocks noChangeAspect="1"/>
+          </p:cNvPicPr>
+          <p:nvPr/>
+        </p:nvPicPr>
+        <p:blipFill>
+          <a:blip r:embed="rId3" cstate="email">
+            <a:extLst>
+              <a:ext uri="{28A0092B-C50C-407E-A947-70E740481C1C}">
+                <a14:useLocalDpi xmlns:a14="http://schemas.microsoft.com/office/drawing/2010/main" val="0"/>
+              </a:ext>
+            </a:extLst>
+          </a:blip>
+          <a:stretch>
+            <a:fillRect/>
+          </a:stretch>
+        </p:blipFill>
+        <p:spPr>
+          <a:xfrm>
+            <a:off x="7415282" y="6564573"/>
+            <a:ext cx="1592240" cy="238836"/>
+          </a:xfrm>
+          <a:prstGeom prst="rect">
+            <a:avLst/>
+          </a:prstGeom>
         </p:spPr>
       </p:pic>
     </p:spTree>
